--- a/Presentation.pptx
+++ b/Presentation.pptx
@@ -8,8 +8,11 @@
     <p:sldId id="256" r:id="rId2"/>
     <p:sldId id="257" r:id="rId3"/>
     <p:sldId id="258" r:id="rId4"/>
-    <p:sldId id="260" r:id="rId5"/>
-    <p:sldId id="261" r:id="rId6"/>
+    <p:sldId id="263" r:id="rId5"/>
+    <p:sldId id="264" r:id="rId6"/>
+    <p:sldId id="265" r:id="rId7"/>
+    <p:sldId id="260" r:id="rId8"/>
+    <p:sldId id="261" r:id="rId9"/>
   </p:sldIdLst>
   <p:sldSz cx="12192000" cy="6858000"/>
   <p:notesSz cx="6858000" cy="9144000"/>
@@ -265,7 +268,7 @@
           <a:p>
             <a:fld id="{99D02029-91A3-674B-B830-037DDD699707}" type="datetimeFigureOut">
               <a:rPr lang="en-US" smtClean="0"/>
-              <a:t>2/22/22</a:t>
+              <a:t>3/2/22</a:t>
             </a:fld>
             <a:endParaRPr lang="en-US"/>
           </a:p>
@@ -465,7 +468,7 @@
           <a:p>
             <a:fld id="{99D02029-91A3-674B-B830-037DDD699707}" type="datetimeFigureOut">
               <a:rPr lang="en-US" smtClean="0"/>
-              <a:t>2/22/22</a:t>
+              <a:t>3/2/22</a:t>
             </a:fld>
             <a:endParaRPr lang="en-US"/>
           </a:p>
@@ -675,7 +678,7 @@
           <a:p>
             <a:fld id="{99D02029-91A3-674B-B830-037DDD699707}" type="datetimeFigureOut">
               <a:rPr lang="en-US" smtClean="0"/>
-              <a:t>2/22/22</a:t>
+              <a:t>3/2/22</a:t>
             </a:fld>
             <a:endParaRPr lang="en-US"/>
           </a:p>
@@ -875,7 +878,7 @@
           <a:p>
             <a:fld id="{99D02029-91A3-674B-B830-037DDD699707}" type="datetimeFigureOut">
               <a:rPr lang="en-US" smtClean="0"/>
-              <a:t>2/22/22</a:t>
+              <a:t>3/2/22</a:t>
             </a:fld>
             <a:endParaRPr lang="en-US"/>
           </a:p>
@@ -1151,7 +1154,7 @@
           <a:p>
             <a:fld id="{99D02029-91A3-674B-B830-037DDD699707}" type="datetimeFigureOut">
               <a:rPr lang="en-US" smtClean="0"/>
-              <a:t>2/22/22</a:t>
+              <a:t>3/2/22</a:t>
             </a:fld>
             <a:endParaRPr lang="en-US"/>
           </a:p>
@@ -1419,7 +1422,7 @@
           <a:p>
             <a:fld id="{99D02029-91A3-674B-B830-037DDD699707}" type="datetimeFigureOut">
               <a:rPr lang="en-US" smtClean="0"/>
-              <a:t>2/22/22</a:t>
+              <a:t>3/2/22</a:t>
             </a:fld>
             <a:endParaRPr lang="en-US"/>
           </a:p>
@@ -1834,7 +1837,7 @@
           <a:p>
             <a:fld id="{99D02029-91A3-674B-B830-037DDD699707}" type="datetimeFigureOut">
               <a:rPr lang="en-US" smtClean="0"/>
-              <a:t>2/22/22</a:t>
+              <a:t>3/2/22</a:t>
             </a:fld>
             <a:endParaRPr lang="en-US"/>
           </a:p>
@@ -1976,7 +1979,7 @@
           <a:p>
             <a:fld id="{99D02029-91A3-674B-B830-037DDD699707}" type="datetimeFigureOut">
               <a:rPr lang="en-US" smtClean="0"/>
-              <a:t>2/22/22</a:t>
+              <a:t>3/2/22</a:t>
             </a:fld>
             <a:endParaRPr lang="en-US"/>
           </a:p>
@@ -2089,7 +2092,7 @@
           <a:p>
             <a:fld id="{99D02029-91A3-674B-B830-037DDD699707}" type="datetimeFigureOut">
               <a:rPr lang="en-US" smtClean="0"/>
-              <a:t>2/22/22</a:t>
+              <a:t>3/2/22</a:t>
             </a:fld>
             <a:endParaRPr lang="en-US"/>
           </a:p>
@@ -2402,7 +2405,7 @@
           <a:p>
             <a:fld id="{99D02029-91A3-674B-B830-037DDD699707}" type="datetimeFigureOut">
               <a:rPr lang="en-US" smtClean="0"/>
-              <a:t>2/22/22</a:t>
+              <a:t>3/2/22</a:t>
             </a:fld>
             <a:endParaRPr lang="en-US"/>
           </a:p>
@@ -2691,7 +2694,7 @@
           <a:p>
             <a:fld id="{99D02029-91A3-674B-B830-037DDD699707}" type="datetimeFigureOut">
               <a:rPr lang="en-US" smtClean="0"/>
-              <a:t>2/22/22</a:t>
+              <a:t>3/2/22</a:t>
             </a:fld>
             <a:endParaRPr lang="en-US"/>
           </a:p>
@@ -2934,7 +2937,7 @@
           <a:p>
             <a:fld id="{99D02029-91A3-674B-B830-037DDD699707}" type="datetimeFigureOut">
               <a:rPr lang="en-US" smtClean="0"/>
-              <a:t>2/22/22</a:t>
+              <a:t>3/2/22</a:t>
             </a:fld>
             <a:endParaRPr lang="en-US"/>
           </a:p>
@@ -3727,10 +3730,10 @@
       </p:sp>
       <p:sp>
         <p:nvSpPr>
-          <p:cNvPr id="5" name="Rounded Rectangle 4">
-            <a:extLst>
-              <a:ext uri="{FF2B5EF4-FFF2-40B4-BE49-F238E27FC236}">
-                <a16:creationId xmlns:a16="http://schemas.microsoft.com/office/drawing/2014/main" id="{CD30AE14-B5BA-A64E-B931-BE35B3B629D4}"/>
+          <p:cNvPr id="7" name="Rounded Rectangle 6">
+            <a:extLst>
+              <a:ext uri="{FF2B5EF4-FFF2-40B4-BE49-F238E27FC236}">
+                <a16:creationId xmlns:a16="http://schemas.microsoft.com/office/drawing/2014/main" id="{8F72C6A9-2AA0-1347-9CD1-88E1BB87A33B}"/>
               </a:ext>
             </a:extLst>
           </p:cNvPr>
@@ -3739,8 +3742,55 @@
         </p:nvSpPr>
         <p:spPr>
           <a:xfrm>
-            <a:off x="1705612" y="1418248"/>
-            <a:ext cx="1137781" cy="738317"/>
+            <a:off x="8427879" y="3049335"/>
+            <a:ext cx="1553224" cy="738318"/>
+          </a:xfrm>
+          <a:prstGeom prst="roundRect">
+            <a:avLst/>
+          </a:prstGeom>
+        </p:spPr>
+        <p:style>
+          <a:lnRef idx="0">
+            <a:schemeClr val="accent2"/>
+          </a:lnRef>
+          <a:fillRef idx="3">
+            <a:schemeClr val="accent2"/>
+          </a:fillRef>
+          <a:effectRef idx="3">
+            <a:schemeClr val="accent2"/>
+          </a:effectRef>
+          <a:fontRef idx="minor">
+            <a:schemeClr val="lt1"/>
+          </a:fontRef>
+        </p:style>
+        <p:txBody>
+          <a:bodyPr rtlCol="0" anchor="ctr"/>
+          <a:lstStyle/>
+          <a:p>
+            <a:pPr algn="ctr"/>
+            <a:r>
+              <a:rPr lang="en-US" dirty="0"/>
+              <a:t>Open connections</a:t>
+            </a:r>
+          </a:p>
+        </p:txBody>
+      </p:sp>
+      <p:sp>
+        <p:nvSpPr>
+          <p:cNvPr id="10" name="Rounded Rectangle 9">
+            <a:extLst>
+              <a:ext uri="{FF2B5EF4-FFF2-40B4-BE49-F238E27FC236}">
+                <a16:creationId xmlns:a16="http://schemas.microsoft.com/office/drawing/2014/main" id="{A3175C2E-CCD5-5446-8174-2233F92666EA}"/>
+              </a:ext>
+            </a:extLst>
+          </p:cNvPr>
+          <p:cNvSpPr/>
+          <p:nvPr/>
+        </p:nvSpPr>
+        <p:spPr>
+          <a:xfrm>
+            <a:off x="9567807" y="1458957"/>
+            <a:ext cx="1620021" cy="738317"/>
           </a:xfrm>
           <a:prstGeom prst="roundRect">
             <a:avLst/>
@@ -3767,7 +3817,508 @@
             <a:pPr algn="ctr"/>
             <a:r>
               <a:rPr lang="en-US" dirty="0"/>
-              <a:t>Buffer overflow</a:t>
+              <a:t>Connection limit reached</a:t>
+            </a:r>
+          </a:p>
+        </p:txBody>
+      </p:sp>
+      <p:sp>
+        <p:nvSpPr>
+          <p:cNvPr id="12" name="Rounded Rectangle 11">
+            <a:extLst>
+              <a:ext uri="{FF2B5EF4-FFF2-40B4-BE49-F238E27FC236}">
+                <a16:creationId xmlns:a16="http://schemas.microsoft.com/office/drawing/2014/main" id="{43115BBE-5C17-E148-9AF9-46671AD34033}"/>
+              </a:ext>
+            </a:extLst>
+          </p:cNvPr>
+          <p:cNvSpPr/>
+          <p:nvPr/>
+        </p:nvSpPr>
+        <p:spPr>
+          <a:xfrm>
+            <a:off x="10411216" y="2938397"/>
+            <a:ext cx="1553224" cy="981206"/>
+          </a:xfrm>
+          <a:prstGeom prst="roundRect">
+            <a:avLst/>
+          </a:prstGeom>
+        </p:spPr>
+        <p:style>
+          <a:lnRef idx="0">
+            <a:schemeClr val="accent2"/>
+          </a:lnRef>
+          <a:fillRef idx="3">
+            <a:schemeClr val="accent2"/>
+          </a:fillRef>
+          <a:effectRef idx="3">
+            <a:schemeClr val="accent2"/>
+          </a:effectRef>
+          <a:fontRef idx="minor">
+            <a:schemeClr val="lt1"/>
+          </a:fontRef>
+        </p:style>
+        <p:txBody>
+          <a:bodyPr rtlCol="0" anchor="ctr"/>
+          <a:lstStyle/>
+          <a:p>
+            <a:pPr algn="ctr"/>
+            <a:r>
+              <a:rPr lang="en-US" dirty="0"/>
+              <a:t>Keep alive</a:t>
+            </a:r>
+          </a:p>
+        </p:txBody>
+      </p:sp>
+      <p:cxnSp>
+        <p:nvCxnSpPr>
+          <p:cNvPr id="14" name="Straight Arrow Connector 13">
+            <a:extLst>
+              <a:ext uri="{FF2B5EF4-FFF2-40B4-BE49-F238E27FC236}">
+                <a16:creationId xmlns:a16="http://schemas.microsoft.com/office/drawing/2014/main" id="{B3BA77C4-F5A3-704A-9F81-D3B16A56FF82}"/>
+              </a:ext>
+            </a:extLst>
+          </p:cNvPr>
+          <p:cNvCxnSpPr>
+            <a:cxnSpLocks/>
+            <a:stCxn id="7" idx="0"/>
+            <a:endCxn id="10" idx="2"/>
+          </p:cNvCxnSpPr>
+          <p:nvPr/>
+        </p:nvCxnSpPr>
+        <p:spPr>
+          <a:xfrm flipV="1">
+            <a:off x="9204491" y="2197274"/>
+            <a:ext cx="1173327" cy="852061"/>
+          </a:xfrm>
+          <a:prstGeom prst="straightConnector1">
+            <a:avLst/>
+          </a:prstGeom>
+          <a:ln>
+            <a:tailEnd type="triangle"/>
+          </a:ln>
+        </p:spPr>
+        <p:style>
+          <a:lnRef idx="2">
+            <a:schemeClr val="dk1"/>
+          </a:lnRef>
+          <a:fillRef idx="0">
+            <a:schemeClr val="dk1"/>
+          </a:fillRef>
+          <a:effectRef idx="1">
+            <a:schemeClr val="dk1"/>
+          </a:effectRef>
+          <a:fontRef idx="minor">
+            <a:schemeClr val="tx1"/>
+          </a:fontRef>
+        </p:style>
+      </p:cxnSp>
+      <p:cxnSp>
+        <p:nvCxnSpPr>
+          <p:cNvPr id="15" name="Straight Arrow Connector 14">
+            <a:extLst>
+              <a:ext uri="{FF2B5EF4-FFF2-40B4-BE49-F238E27FC236}">
+                <a16:creationId xmlns:a16="http://schemas.microsoft.com/office/drawing/2014/main" id="{1DDC5C99-BC50-4C4C-9A60-AFFB6FC62BAC}"/>
+              </a:ext>
+            </a:extLst>
+          </p:cNvPr>
+          <p:cNvCxnSpPr>
+            <a:cxnSpLocks/>
+            <a:stCxn id="12" idx="0"/>
+            <a:endCxn id="10" idx="2"/>
+          </p:cNvCxnSpPr>
+          <p:nvPr/>
+        </p:nvCxnSpPr>
+        <p:spPr>
+          <a:xfrm flipH="1" flipV="1">
+            <a:off x="10377818" y="2197274"/>
+            <a:ext cx="810010" cy="741123"/>
+          </a:xfrm>
+          <a:prstGeom prst="straightConnector1">
+            <a:avLst/>
+          </a:prstGeom>
+          <a:ln>
+            <a:tailEnd type="triangle"/>
+          </a:ln>
+        </p:spPr>
+        <p:style>
+          <a:lnRef idx="2">
+            <a:schemeClr val="dk1"/>
+          </a:lnRef>
+          <a:fillRef idx="0">
+            <a:schemeClr val="dk1"/>
+          </a:fillRef>
+          <a:effectRef idx="1">
+            <a:schemeClr val="dk1"/>
+          </a:effectRef>
+          <a:fontRef idx="minor">
+            <a:schemeClr val="tx1"/>
+          </a:fontRef>
+        </p:style>
+      </p:cxnSp>
+      <p:cxnSp>
+        <p:nvCxnSpPr>
+          <p:cNvPr id="37" name="Straight Arrow Connector 36">
+            <a:extLst>
+              <a:ext uri="{FF2B5EF4-FFF2-40B4-BE49-F238E27FC236}">
+                <a16:creationId xmlns:a16="http://schemas.microsoft.com/office/drawing/2014/main" id="{B3323E58-3008-0549-8C84-9B853C000647}"/>
+              </a:ext>
+            </a:extLst>
+          </p:cNvPr>
+          <p:cNvCxnSpPr>
+            <a:cxnSpLocks/>
+            <a:stCxn id="10" idx="0"/>
+            <a:endCxn id="4" idx="2"/>
+          </p:cNvCxnSpPr>
+          <p:nvPr/>
+        </p:nvCxnSpPr>
+        <p:spPr>
+          <a:xfrm flipH="1" flipV="1">
+            <a:off x="6121049" y="820129"/>
+            <a:ext cx="4256769" cy="638828"/>
+          </a:xfrm>
+          <a:prstGeom prst="straightConnector1">
+            <a:avLst/>
+          </a:prstGeom>
+          <a:ln>
+            <a:tailEnd type="triangle"/>
+          </a:ln>
+        </p:spPr>
+        <p:style>
+          <a:lnRef idx="2">
+            <a:schemeClr val="dk1"/>
+          </a:lnRef>
+          <a:fillRef idx="0">
+            <a:schemeClr val="dk1"/>
+          </a:fillRef>
+          <a:effectRef idx="1">
+            <a:schemeClr val="dk1"/>
+          </a:effectRef>
+          <a:fontRef idx="minor">
+            <a:schemeClr val="tx1"/>
+          </a:fontRef>
+        </p:style>
+      </p:cxnSp>
+      <p:sp>
+        <p:nvSpPr>
+          <p:cNvPr id="50" name="Rounded Rectangle 49">
+            <a:extLst>
+              <a:ext uri="{FF2B5EF4-FFF2-40B4-BE49-F238E27FC236}">
+                <a16:creationId xmlns:a16="http://schemas.microsoft.com/office/drawing/2014/main" id="{A49BCD47-54A1-F444-AC6E-D91A002E62A0}"/>
+              </a:ext>
+            </a:extLst>
+          </p:cNvPr>
+          <p:cNvSpPr/>
+          <p:nvPr/>
+        </p:nvSpPr>
+        <p:spPr>
+          <a:xfrm>
+            <a:off x="10411216" y="4660726"/>
+            <a:ext cx="1553224" cy="617626"/>
+          </a:xfrm>
+          <a:prstGeom prst="roundRect">
+            <a:avLst/>
+          </a:prstGeom>
+        </p:spPr>
+        <p:style>
+          <a:lnRef idx="0">
+            <a:schemeClr val="dk1"/>
+          </a:lnRef>
+          <a:fillRef idx="3">
+            <a:schemeClr val="dk1"/>
+          </a:fillRef>
+          <a:effectRef idx="3">
+            <a:schemeClr val="dk1"/>
+          </a:effectRef>
+          <a:fontRef idx="minor">
+            <a:schemeClr val="lt1"/>
+          </a:fontRef>
+        </p:style>
+        <p:txBody>
+          <a:bodyPr rtlCol="0" anchor="ctr"/>
+          <a:lstStyle/>
+          <a:p>
+            <a:pPr algn="ctr"/>
+            <a:r>
+              <a:rPr lang="en-US" dirty="0"/>
+              <a:t>Send periodic CTS</a:t>
+            </a:r>
+          </a:p>
+        </p:txBody>
+      </p:sp>
+      <p:cxnSp>
+        <p:nvCxnSpPr>
+          <p:cNvPr id="53" name="Straight Arrow Connector 52">
+            <a:extLst>
+              <a:ext uri="{FF2B5EF4-FFF2-40B4-BE49-F238E27FC236}">
+                <a16:creationId xmlns:a16="http://schemas.microsoft.com/office/drawing/2014/main" id="{80D159E1-8E65-E647-B170-16FF5B34B0B2}"/>
+              </a:ext>
+            </a:extLst>
+          </p:cNvPr>
+          <p:cNvCxnSpPr>
+            <a:cxnSpLocks/>
+            <a:stCxn id="50" idx="0"/>
+            <a:endCxn id="12" idx="2"/>
+          </p:cNvCxnSpPr>
+          <p:nvPr/>
+        </p:nvCxnSpPr>
+        <p:spPr>
+          <a:xfrm flipV="1">
+            <a:off x="11187828" y="3919603"/>
+            <a:ext cx="0" cy="741123"/>
+          </a:xfrm>
+          <a:prstGeom prst="straightConnector1">
+            <a:avLst/>
+          </a:prstGeom>
+          <a:ln>
+            <a:tailEnd type="triangle"/>
+          </a:ln>
+        </p:spPr>
+        <p:style>
+          <a:lnRef idx="2">
+            <a:schemeClr val="dk1"/>
+          </a:lnRef>
+          <a:fillRef idx="0">
+            <a:schemeClr val="dk1"/>
+          </a:fillRef>
+          <a:effectRef idx="1">
+            <a:schemeClr val="dk1"/>
+          </a:effectRef>
+          <a:fontRef idx="minor">
+            <a:schemeClr val="tx1"/>
+          </a:fontRef>
+        </p:style>
+      </p:cxnSp>
+      <p:sp>
+        <p:nvSpPr>
+          <p:cNvPr id="101" name="Rounded Rectangle 100">
+            <a:extLst>
+              <a:ext uri="{FF2B5EF4-FFF2-40B4-BE49-F238E27FC236}">
+                <a16:creationId xmlns:a16="http://schemas.microsoft.com/office/drawing/2014/main" id="{46272C8B-B0D1-E64A-824C-1738EC135280}"/>
+              </a:ext>
+            </a:extLst>
+          </p:cNvPr>
+          <p:cNvSpPr/>
+          <p:nvPr/>
+        </p:nvSpPr>
+        <p:spPr>
+          <a:xfrm>
+            <a:off x="9131418" y="5465949"/>
+            <a:ext cx="1666017" cy="981205"/>
+          </a:xfrm>
+          <a:prstGeom prst="roundRect">
+            <a:avLst/>
+          </a:prstGeom>
+        </p:spPr>
+        <p:style>
+          <a:lnRef idx="0">
+            <a:schemeClr val="dk1"/>
+          </a:lnRef>
+          <a:fillRef idx="3">
+            <a:schemeClr val="dk1"/>
+          </a:fillRef>
+          <a:effectRef idx="3">
+            <a:schemeClr val="dk1"/>
+          </a:effectRef>
+          <a:fontRef idx="minor">
+            <a:schemeClr val="lt1"/>
+          </a:fontRef>
+        </p:style>
+        <p:txBody>
+          <a:bodyPr rtlCol="0" anchor="ctr"/>
+          <a:lstStyle/>
+          <a:p>
+            <a:pPr algn="ctr"/>
+            <a:r>
+              <a:rPr lang="en-US" dirty="0"/>
+              <a:t>Send request and RTS with spoofed SRC</a:t>
+            </a:r>
+          </a:p>
+        </p:txBody>
+      </p:sp>
+      <p:cxnSp>
+        <p:nvCxnSpPr>
+          <p:cNvPr id="102" name="Straight Arrow Connector 101">
+            <a:extLst>
+              <a:ext uri="{FF2B5EF4-FFF2-40B4-BE49-F238E27FC236}">
+                <a16:creationId xmlns:a16="http://schemas.microsoft.com/office/drawing/2014/main" id="{02F0EA6C-5774-D84D-AFD7-C4131B4B9E04}"/>
+              </a:ext>
+            </a:extLst>
+          </p:cNvPr>
+          <p:cNvCxnSpPr>
+            <a:cxnSpLocks/>
+            <a:stCxn id="101" idx="0"/>
+            <a:endCxn id="7" idx="2"/>
+          </p:cNvCxnSpPr>
+          <p:nvPr/>
+        </p:nvCxnSpPr>
+        <p:spPr>
+          <a:xfrm flipH="1" flipV="1">
+            <a:off x="9204491" y="3787653"/>
+            <a:ext cx="759936" cy="1678296"/>
+          </a:xfrm>
+          <a:prstGeom prst="straightConnector1">
+            <a:avLst/>
+          </a:prstGeom>
+          <a:ln>
+            <a:tailEnd type="triangle"/>
+          </a:ln>
+        </p:spPr>
+        <p:style>
+          <a:lnRef idx="2">
+            <a:schemeClr val="dk1"/>
+          </a:lnRef>
+          <a:fillRef idx="0">
+            <a:schemeClr val="dk1"/>
+          </a:fillRef>
+          <a:effectRef idx="1">
+            <a:schemeClr val="dk1"/>
+          </a:effectRef>
+          <a:fontRef idx="minor">
+            <a:schemeClr val="tx1"/>
+          </a:fontRef>
+        </p:style>
+      </p:cxnSp>
+      <p:sp>
+        <p:nvSpPr>
+          <p:cNvPr id="108" name="TextBox 107">
+            <a:extLst>
+              <a:ext uri="{FF2B5EF4-FFF2-40B4-BE49-F238E27FC236}">
+                <a16:creationId xmlns:a16="http://schemas.microsoft.com/office/drawing/2014/main" id="{F6E8E5F2-5517-1846-BB89-DD6B625A1767}"/>
+              </a:ext>
+            </a:extLst>
+          </p:cNvPr>
+          <p:cNvSpPr txBox="1"/>
+          <p:nvPr/>
+        </p:nvSpPr>
+        <p:spPr>
+          <a:xfrm>
+            <a:off x="4774219" y="6415346"/>
+            <a:ext cx="3403111" cy="369332"/>
+          </a:xfrm>
+          <a:prstGeom prst="rect">
+            <a:avLst/>
+          </a:prstGeom>
+          <a:noFill/>
+        </p:spPr>
+        <p:txBody>
+          <a:bodyPr wrap="none" rtlCol="0">
+            <a:spAutoFit/>
+          </a:bodyPr>
+          <a:lstStyle/>
+          <a:p>
+            <a:r>
+              <a:rPr lang="en-US" dirty="0"/>
+              <a:t>Assuming timers are implemented</a:t>
+            </a:r>
+          </a:p>
+        </p:txBody>
+      </p:sp>
+    </p:spTree>
+    <p:extLst>
+      <p:ext uri="{BB962C8B-B14F-4D97-AF65-F5344CB8AC3E}">
+        <p14:creationId xmlns:p14="http://schemas.microsoft.com/office/powerpoint/2010/main" val="3242241822"/>
+      </p:ext>
+    </p:extLst>
+  </p:cSld>
+  <p:clrMapOvr>
+    <a:masterClrMapping/>
+  </p:clrMapOvr>
+</p:sld>
+</file>
+
+<file path=ppt/slides/slide4.xml><?xml version="1.0" encoding="utf-8"?>
+<p:sld xmlns:a="http://schemas.openxmlformats.org/drawingml/2006/main" xmlns:r="http://schemas.openxmlformats.org/officeDocument/2006/relationships" xmlns:p="http://schemas.openxmlformats.org/presentationml/2006/main">
+  <p:cSld>
+    <p:spTree>
+      <p:nvGrpSpPr>
+        <p:cNvPr id="1" name=""/>
+        <p:cNvGrpSpPr/>
+        <p:nvPr/>
+      </p:nvGrpSpPr>
+      <p:grpSpPr>
+        <a:xfrm>
+          <a:off x="0" y="0"/>
+          <a:ext cx="0" cy="0"/>
+          <a:chOff x="0" y="0"/>
+          <a:chExt cx="0" cy="0"/>
+        </a:xfrm>
+      </p:grpSpPr>
+      <p:sp>
+        <p:nvSpPr>
+          <p:cNvPr id="2" name="Title 1">
+            <a:extLst>
+              <a:ext uri="{FF2B5EF4-FFF2-40B4-BE49-F238E27FC236}">
+                <a16:creationId xmlns:a16="http://schemas.microsoft.com/office/drawing/2014/main" id="{89F812DC-DB16-4749-853C-D07026C0992C}"/>
+              </a:ext>
+            </a:extLst>
+          </p:cNvPr>
+          <p:cNvSpPr>
+            <a:spLocks noGrp="1"/>
+          </p:cNvSpPr>
+          <p:nvPr>
+            <p:ph type="title"/>
+          </p:nvPr>
+        </p:nvSpPr>
+        <p:spPr>
+          <a:xfrm rot="16200000">
+            <a:off x="-1856462" y="2517732"/>
+            <a:ext cx="5157076" cy="1356986"/>
+          </a:xfrm>
+        </p:spPr>
+        <p:txBody>
+          <a:bodyPr/>
+          <a:lstStyle/>
+          <a:p>
+            <a:r>
+              <a:rPr lang="en-US" dirty="0"/>
+              <a:t>Possible Attack Graph</a:t>
+            </a:r>
+          </a:p>
+        </p:txBody>
+      </p:sp>
+      <p:sp>
+        <p:nvSpPr>
+          <p:cNvPr id="4" name="Rounded Rectangle 3">
+            <a:extLst>
+              <a:ext uri="{FF2B5EF4-FFF2-40B4-BE49-F238E27FC236}">
+                <a16:creationId xmlns:a16="http://schemas.microsoft.com/office/drawing/2014/main" id="{152EEE0F-90A4-F743-A5FB-F41CFA6C6FF9}"/>
+              </a:ext>
+            </a:extLst>
+          </p:cNvPr>
+          <p:cNvSpPr/>
+          <p:nvPr/>
+        </p:nvSpPr>
+        <p:spPr>
+          <a:xfrm>
+            <a:off x="5620008" y="181301"/>
+            <a:ext cx="1002082" cy="638828"/>
+          </a:xfrm>
+          <a:prstGeom prst="roundRect">
+            <a:avLst/>
+          </a:prstGeom>
+        </p:spPr>
+        <p:style>
+          <a:lnRef idx="0">
+            <a:schemeClr val="accent1"/>
+          </a:lnRef>
+          <a:fillRef idx="3">
+            <a:schemeClr val="accent1"/>
+          </a:fillRef>
+          <a:effectRef idx="3">
+            <a:schemeClr val="accent1"/>
+          </a:effectRef>
+          <a:fontRef idx="minor">
+            <a:schemeClr val="lt1"/>
+          </a:fontRef>
+        </p:style>
+        <p:txBody>
+          <a:bodyPr rtlCol="0" anchor="ctr"/>
+          <a:lstStyle/>
+          <a:p>
+            <a:pPr algn="ctr"/>
+            <a:r>
+              <a:rPr lang="en-US" dirty="0"/>
+              <a:t>DoS</a:t>
             </a:r>
           </a:p>
         </p:txBody>
@@ -3868,10 +4419,10 @@
       </p:sp>
       <p:sp>
         <p:nvSpPr>
-          <p:cNvPr id="8" name="Rounded Rectangle 7">
-            <a:extLst>
-              <a:ext uri="{FF2B5EF4-FFF2-40B4-BE49-F238E27FC236}">
-                <a16:creationId xmlns:a16="http://schemas.microsoft.com/office/drawing/2014/main" id="{750D988B-4146-6141-8E02-9E3423E531E0}"/>
+          <p:cNvPr id="10" name="Rounded Rectangle 9">
+            <a:extLst>
+              <a:ext uri="{FF2B5EF4-FFF2-40B4-BE49-F238E27FC236}">
+                <a16:creationId xmlns:a16="http://schemas.microsoft.com/office/drawing/2014/main" id="{A3175C2E-CCD5-5446-8174-2233F92666EA}"/>
               </a:ext>
             </a:extLst>
           </p:cNvPr>
@@ -3880,8 +4431,8 @@
         </p:nvSpPr>
         <p:spPr>
           <a:xfrm>
-            <a:off x="3939165" y="1418248"/>
-            <a:ext cx="1356987" cy="738317"/>
+            <a:off x="9567807" y="1458957"/>
+            <a:ext cx="1620021" cy="738317"/>
           </a:xfrm>
           <a:prstGeom prst="roundRect">
             <a:avLst/>
@@ -3908,17 +4459,17 @@
             <a:pPr algn="ctr"/>
             <a:r>
               <a:rPr lang="en-US" dirty="0"/>
-              <a:t>CPU over usage</a:t>
-            </a:r>
-          </a:p>
-        </p:txBody>
-      </p:sp>
-      <p:sp>
-        <p:nvSpPr>
-          <p:cNvPr id="10" name="Rounded Rectangle 9">
-            <a:extLst>
-              <a:ext uri="{FF2B5EF4-FFF2-40B4-BE49-F238E27FC236}">
-                <a16:creationId xmlns:a16="http://schemas.microsoft.com/office/drawing/2014/main" id="{A3175C2E-CCD5-5446-8174-2233F92666EA}"/>
+              <a:t>Connection limit reached</a:t>
+            </a:r>
+          </a:p>
+        </p:txBody>
+      </p:sp>
+      <p:sp>
+        <p:nvSpPr>
+          <p:cNvPr id="12" name="Rounded Rectangle 11">
+            <a:extLst>
+              <a:ext uri="{FF2B5EF4-FFF2-40B4-BE49-F238E27FC236}">
+                <a16:creationId xmlns:a16="http://schemas.microsoft.com/office/drawing/2014/main" id="{43115BBE-5C17-E148-9AF9-46671AD34033}"/>
               </a:ext>
             </a:extLst>
           </p:cNvPr>
@@ -3927,8 +4478,857 @@
         </p:nvSpPr>
         <p:spPr>
           <a:xfrm>
-            <a:off x="9567807" y="1458957"/>
-            <a:ext cx="1620021" cy="738317"/>
+            <a:off x="10411216" y="2938397"/>
+            <a:ext cx="1553224" cy="981206"/>
+          </a:xfrm>
+          <a:prstGeom prst="roundRect">
+            <a:avLst/>
+          </a:prstGeom>
+        </p:spPr>
+        <p:style>
+          <a:lnRef idx="0">
+            <a:schemeClr val="accent2"/>
+          </a:lnRef>
+          <a:fillRef idx="3">
+            <a:schemeClr val="accent2"/>
+          </a:fillRef>
+          <a:effectRef idx="3">
+            <a:schemeClr val="accent2"/>
+          </a:effectRef>
+          <a:fontRef idx="minor">
+            <a:schemeClr val="lt1"/>
+          </a:fontRef>
+        </p:style>
+        <p:txBody>
+          <a:bodyPr rtlCol="0" anchor="ctr"/>
+          <a:lstStyle/>
+          <a:p>
+            <a:pPr algn="ctr"/>
+            <a:r>
+              <a:rPr lang="en-US" dirty="0"/>
+              <a:t>Keep alive</a:t>
+            </a:r>
+          </a:p>
+        </p:txBody>
+      </p:sp>
+      <p:cxnSp>
+        <p:nvCxnSpPr>
+          <p:cNvPr id="14" name="Straight Arrow Connector 13">
+            <a:extLst>
+              <a:ext uri="{FF2B5EF4-FFF2-40B4-BE49-F238E27FC236}">
+                <a16:creationId xmlns:a16="http://schemas.microsoft.com/office/drawing/2014/main" id="{B3BA77C4-F5A3-704A-9F81-D3B16A56FF82}"/>
+              </a:ext>
+            </a:extLst>
+          </p:cNvPr>
+          <p:cNvCxnSpPr>
+            <a:cxnSpLocks/>
+            <a:stCxn id="7" idx="0"/>
+            <a:endCxn id="10" idx="2"/>
+          </p:cNvCxnSpPr>
+          <p:nvPr/>
+        </p:nvCxnSpPr>
+        <p:spPr>
+          <a:xfrm flipV="1">
+            <a:off x="9204491" y="2197274"/>
+            <a:ext cx="1173327" cy="852061"/>
+          </a:xfrm>
+          <a:prstGeom prst="straightConnector1">
+            <a:avLst/>
+          </a:prstGeom>
+          <a:ln>
+            <a:tailEnd type="triangle"/>
+          </a:ln>
+        </p:spPr>
+        <p:style>
+          <a:lnRef idx="2">
+            <a:schemeClr val="dk1"/>
+          </a:lnRef>
+          <a:fillRef idx="0">
+            <a:schemeClr val="dk1"/>
+          </a:fillRef>
+          <a:effectRef idx="1">
+            <a:schemeClr val="dk1"/>
+          </a:effectRef>
+          <a:fontRef idx="minor">
+            <a:schemeClr val="tx1"/>
+          </a:fontRef>
+        </p:style>
+      </p:cxnSp>
+      <p:cxnSp>
+        <p:nvCxnSpPr>
+          <p:cNvPr id="15" name="Straight Arrow Connector 14">
+            <a:extLst>
+              <a:ext uri="{FF2B5EF4-FFF2-40B4-BE49-F238E27FC236}">
+                <a16:creationId xmlns:a16="http://schemas.microsoft.com/office/drawing/2014/main" id="{1DDC5C99-BC50-4C4C-9A60-AFFB6FC62BAC}"/>
+              </a:ext>
+            </a:extLst>
+          </p:cNvPr>
+          <p:cNvCxnSpPr>
+            <a:cxnSpLocks/>
+            <a:stCxn id="12" idx="0"/>
+            <a:endCxn id="10" idx="2"/>
+          </p:cNvCxnSpPr>
+          <p:nvPr/>
+        </p:nvCxnSpPr>
+        <p:spPr>
+          <a:xfrm flipH="1" flipV="1">
+            <a:off x="10377818" y="2197274"/>
+            <a:ext cx="810010" cy="741123"/>
+          </a:xfrm>
+          <a:prstGeom prst="straightConnector1">
+            <a:avLst/>
+          </a:prstGeom>
+          <a:ln>
+            <a:tailEnd type="triangle"/>
+          </a:ln>
+        </p:spPr>
+        <p:style>
+          <a:lnRef idx="2">
+            <a:schemeClr val="dk1"/>
+          </a:lnRef>
+          <a:fillRef idx="0">
+            <a:schemeClr val="dk1"/>
+          </a:fillRef>
+          <a:effectRef idx="1">
+            <a:schemeClr val="dk1"/>
+          </a:effectRef>
+          <a:fontRef idx="minor">
+            <a:schemeClr val="tx1"/>
+          </a:fontRef>
+        </p:style>
+      </p:cxnSp>
+      <p:cxnSp>
+        <p:nvCxnSpPr>
+          <p:cNvPr id="37" name="Straight Arrow Connector 36">
+            <a:extLst>
+              <a:ext uri="{FF2B5EF4-FFF2-40B4-BE49-F238E27FC236}">
+                <a16:creationId xmlns:a16="http://schemas.microsoft.com/office/drawing/2014/main" id="{B3323E58-3008-0549-8C84-9B853C000647}"/>
+              </a:ext>
+            </a:extLst>
+          </p:cNvPr>
+          <p:cNvCxnSpPr>
+            <a:cxnSpLocks/>
+            <a:stCxn id="10" idx="0"/>
+            <a:endCxn id="4" idx="2"/>
+          </p:cNvCxnSpPr>
+          <p:nvPr/>
+        </p:nvCxnSpPr>
+        <p:spPr>
+          <a:xfrm flipH="1" flipV="1">
+            <a:off x="6121049" y="820129"/>
+            <a:ext cx="4256769" cy="638828"/>
+          </a:xfrm>
+          <a:prstGeom prst="straightConnector1">
+            <a:avLst/>
+          </a:prstGeom>
+          <a:ln>
+            <a:tailEnd type="triangle"/>
+          </a:ln>
+        </p:spPr>
+        <p:style>
+          <a:lnRef idx="2">
+            <a:schemeClr val="dk1"/>
+          </a:lnRef>
+          <a:fillRef idx="0">
+            <a:schemeClr val="dk1"/>
+          </a:fillRef>
+          <a:effectRef idx="1">
+            <a:schemeClr val="dk1"/>
+          </a:effectRef>
+          <a:fontRef idx="minor">
+            <a:schemeClr val="tx1"/>
+          </a:fontRef>
+        </p:style>
+      </p:cxnSp>
+      <p:cxnSp>
+        <p:nvCxnSpPr>
+          <p:cNvPr id="40" name="Straight Arrow Connector 39">
+            <a:extLst>
+              <a:ext uri="{FF2B5EF4-FFF2-40B4-BE49-F238E27FC236}">
+                <a16:creationId xmlns:a16="http://schemas.microsoft.com/office/drawing/2014/main" id="{E861C6DD-8E8A-8146-81FA-8899838A63CF}"/>
+              </a:ext>
+            </a:extLst>
+          </p:cNvPr>
+          <p:cNvCxnSpPr>
+            <a:cxnSpLocks/>
+            <a:stCxn id="6" idx="0"/>
+            <a:endCxn id="4" idx="2"/>
+          </p:cNvCxnSpPr>
+          <p:nvPr/>
+        </p:nvCxnSpPr>
+        <p:spPr>
+          <a:xfrm flipH="1" flipV="1">
+            <a:off x="6121049" y="820129"/>
+            <a:ext cx="1124079" cy="638828"/>
+          </a:xfrm>
+          <a:prstGeom prst="straightConnector1">
+            <a:avLst/>
+          </a:prstGeom>
+          <a:ln>
+            <a:tailEnd type="triangle"/>
+          </a:ln>
+        </p:spPr>
+        <p:style>
+          <a:lnRef idx="2">
+            <a:schemeClr val="dk1"/>
+          </a:lnRef>
+          <a:fillRef idx="0">
+            <a:schemeClr val="dk1"/>
+          </a:fillRef>
+          <a:effectRef idx="1">
+            <a:schemeClr val="dk1"/>
+          </a:effectRef>
+          <a:fontRef idx="minor">
+            <a:schemeClr val="tx1"/>
+          </a:fontRef>
+        </p:style>
+      </p:cxnSp>
+      <p:sp>
+        <p:nvSpPr>
+          <p:cNvPr id="50" name="Rounded Rectangle 49">
+            <a:extLst>
+              <a:ext uri="{FF2B5EF4-FFF2-40B4-BE49-F238E27FC236}">
+                <a16:creationId xmlns:a16="http://schemas.microsoft.com/office/drawing/2014/main" id="{A49BCD47-54A1-F444-AC6E-D91A002E62A0}"/>
+              </a:ext>
+            </a:extLst>
+          </p:cNvPr>
+          <p:cNvSpPr/>
+          <p:nvPr/>
+        </p:nvSpPr>
+        <p:spPr>
+          <a:xfrm>
+            <a:off x="10411216" y="4660726"/>
+            <a:ext cx="1553224" cy="617626"/>
+          </a:xfrm>
+          <a:prstGeom prst="roundRect">
+            <a:avLst/>
+          </a:prstGeom>
+        </p:spPr>
+        <p:style>
+          <a:lnRef idx="0">
+            <a:schemeClr val="dk1"/>
+          </a:lnRef>
+          <a:fillRef idx="3">
+            <a:schemeClr val="dk1"/>
+          </a:fillRef>
+          <a:effectRef idx="3">
+            <a:schemeClr val="dk1"/>
+          </a:effectRef>
+          <a:fontRef idx="minor">
+            <a:schemeClr val="lt1"/>
+          </a:fontRef>
+        </p:style>
+        <p:txBody>
+          <a:bodyPr rtlCol="0" anchor="ctr"/>
+          <a:lstStyle/>
+          <a:p>
+            <a:pPr algn="ctr"/>
+            <a:r>
+              <a:rPr lang="en-US" dirty="0"/>
+              <a:t>Send periodic CTS</a:t>
+            </a:r>
+          </a:p>
+        </p:txBody>
+      </p:sp>
+      <p:cxnSp>
+        <p:nvCxnSpPr>
+          <p:cNvPr id="53" name="Straight Arrow Connector 52">
+            <a:extLst>
+              <a:ext uri="{FF2B5EF4-FFF2-40B4-BE49-F238E27FC236}">
+                <a16:creationId xmlns:a16="http://schemas.microsoft.com/office/drawing/2014/main" id="{80D159E1-8E65-E647-B170-16FF5B34B0B2}"/>
+              </a:ext>
+            </a:extLst>
+          </p:cNvPr>
+          <p:cNvCxnSpPr>
+            <a:cxnSpLocks/>
+            <a:stCxn id="50" idx="0"/>
+            <a:endCxn id="12" idx="2"/>
+          </p:cNvCxnSpPr>
+          <p:nvPr/>
+        </p:nvCxnSpPr>
+        <p:spPr>
+          <a:xfrm flipV="1">
+            <a:off x="11187828" y="3919603"/>
+            <a:ext cx="0" cy="741123"/>
+          </a:xfrm>
+          <a:prstGeom prst="straightConnector1">
+            <a:avLst/>
+          </a:prstGeom>
+          <a:ln>
+            <a:tailEnd type="triangle"/>
+          </a:ln>
+        </p:spPr>
+        <p:style>
+          <a:lnRef idx="2">
+            <a:schemeClr val="dk1"/>
+          </a:lnRef>
+          <a:fillRef idx="0">
+            <a:schemeClr val="dk1"/>
+          </a:fillRef>
+          <a:effectRef idx="1">
+            <a:schemeClr val="dk1"/>
+          </a:effectRef>
+          <a:fontRef idx="minor">
+            <a:schemeClr val="tx1"/>
+          </a:fontRef>
+        </p:style>
+      </p:cxnSp>
+      <p:sp>
+        <p:nvSpPr>
+          <p:cNvPr id="59" name="Rounded Rectangle 58">
+            <a:extLst>
+              <a:ext uri="{FF2B5EF4-FFF2-40B4-BE49-F238E27FC236}">
+                <a16:creationId xmlns:a16="http://schemas.microsoft.com/office/drawing/2014/main" id="{F8A69046-6D68-7340-B0CE-B9B45C6DDB07}"/>
+              </a:ext>
+            </a:extLst>
+          </p:cNvPr>
+          <p:cNvSpPr/>
+          <p:nvPr/>
+        </p:nvSpPr>
+        <p:spPr>
+          <a:xfrm>
+            <a:off x="6985936" y="4639714"/>
+            <a:ext cx="1827615" cy="738317"/>
+          </a:xfrm>
+          <a:prstGeom prst="roundRect">
+            <a:avLst/>
+          </a:prstGeom>
+        </p:spPr>
+        <p:style>
+          <a:lnRef idx="0">
+            <a:schemeClr val="accent6"/>
+          </a:lnRef>
+          <a:fillRef idx="3">
+            <a:schemeClr val="accent6"/>
+          </a:fillRef>
+          <a:effectRef idx="3">
+            <a:schemeClr val="accent6"/>
+          </a:effectRef>
+          <a:fontRef idx="minor">
+            <a:schemeClr val="lt1"/>
+          </a:fontRef>
+        </p:style>
+        <p:txBody>
+          <a:bodyPr rtlCol="0" anchor="ctr"/>
+          <a:lstStyle/>
+          <a:p>
+            <a:pPr algn="ctr"/>
+            <a:r>
+              <a:rPr lang="en-US" dirty="0"/>
+              <a:t>Connection opens on CTS</a:t>
+            </a:r>
+          </a:p>
+        </p:txBody>
+      </p:sp>
+      <p:cxnSp>
+        <p:nvCxnSpPr>
+          <p:cNvPr id="60" name="Straight Arrow Connector 59">
+            <a:extLst>
+              <a:ext uri="{FF2B5EF4-FFF2-40B4-BE49-F238E27FC236}">
+                <a16:creationId xmlns:a16="http://schemas.microsoft.com/office/drawing/2014/main" id="{BAEDC2D9-71F3-C04B-9CA0-F8E4469CC17F}"/>
+              </a:ext>
+            </a:extLst>
+          </p:cNvPr>
+          <p:cNvCxnSpPr>
+            <a:cxnSpLocks/>
+            <a:stCxn id="59" idx="0"/>
+            <a:endCxn id="84" idx="2"/>
+          </p:cNvCxnSpPr>
+          <p:nvPr/>
+        </p:nvCxnSpPr>
+        <p:spPr>
+          <a:xfrm flipH="1" flipV="1">
+            <a:off x="7252387" y="3795353"/>
+            <a:ext cx="647357" cy="844361"/>
+          </a:xfrm>
+          <a:prstGeom prst="straightConnector1">
+            <a:avLst/>
+          </a:prstGeom>
+          <a:ln>
+            <a:tailEnd type="triangle"/>
+          </a:ln>
+        </p:spPr>
+        <p:style>
+          <a:lnRef idx="2">
+            <a:schemeClr val="dk1"/>
+          </a:lnRef>
+          <a:fillRef idx="0">
+            <a:schemeClr val="dk1"/>
+          </a:fillRef>
+          <a:effectRef idx="1">
+            <a:schemeClr val="dk1"/>
+          </a:effectRef>
+          <a:fontRef idx="minor">
+            <a:schemeClr val="tx1"/>
+          </a:fontRef>
+        </p:style>
+      </p:cxnSp>
+      <p:sp>
+        <p:nvSpPr>
+          <p:cNvPr id="66" name="Rounded Rectangle 65">
+            <a:extLst>
+              <a:ext uri="{FF2B5EF4-FFF2-40B4-BE49-F238E27FC236}">
+                <a16:creationId xmlns:a16="http://schemas.microsoft.com/office/drawing/2014/main" id="{7BBB8FE3-BC6B-7E48-93D5-923264D4D368}"/>
+              </a:ext>
+            </a:extLst>
+          </p:cNvPr>
+          <p:cNvSpPr/>
+          <p:nvPr/>
+        </p:nvSpPr>
+        <p:spPr>
+          <a:xfrm>
+            <a:off x="5068866" y="4695823"/>
+            <a:ext cx="1553224" cy="617626"/>
+          </a:xfrm>
+          <a:prstGeom prst="roundRect">
+            <a:avLst/>
+          </a:prstGeom>
+        </p:spPr>
+        <p:style>
+          <a:lnRef idx="0">
+            <a:schemeClr val="dk1"/>
+          </a:lnRef>
+          <a:fillRef idx="3">
+            <a:schemeClr val="dk1"/>
+          </a:fillRef>
+          <a:effectRef idx="3">
+            <a:schemeClr val="dk1"/>
+          </a:effectRef>
+          <a:fontRef idx="minor">
+            <a:schemeClr val="lt1"/>
+          </a:fontRef>
+        </p:style>
+        <p:txBody>
+          <a:bodyPr rtlCol="0" anchor="ctr"/>
+          <a:lstStyle/>
+          <a:p>
+            <a:pPr algn="ctr"/>
+            <a:r>
+              <a:rPr lang="en-US" dirty="0"/>
+              <a:t>Send fast requests</a:t>
+            </a:r>
+          </a:p>
+        </p:txBody>
+      </p:sp>
+      <p:cxnSp>
+        <p:nvCxnSpPr>
+          <p:cNvPr id="67" name="Straight Arrow Connector 66">
+            <a:extLst>
+              <a:ext uri="{FF2B5EF4-FFF2-40B4-BE49-F238E27FC236}">
+                <a16:creationId xmlns:a16="http://schemas.microsoft.com/office/drawing/2014/main" id="{240ADEC7-3AEE-6043-8CE5-51955070341E}"/>
+              </a:ext>
+            </a:extLst>
+          </p:cNvPr>
+          <p:cNvCxnSpPr>
+            <a:cxnSpLocks/>
+            <a:stCxn id="66" idx="0"/>
+            <a:endCxn id="84" idx="2"/>
+          </p:cNvCxnSpPr>
+          <p:nvPr/>
+        </p:nvCxnSpPr>
+        <p:spPr>
+          <a:xfrm flipV="1">
+            <a:off x="5845478" y="3795353"/>
+            <a:ext cx="1406909" cy="900470"/>
+          </a:xfrm>
+          <a:prstGeom prst="straightConnector1">
+            <a:avLst/>
+          </a:prstGeom>
+          <a:ln>
+            <a:tailEnd type="triangle"/>
+          </a:ln>
+        </p:spPr>
+        <p:style>
+          <a:lnRef idx="2">
+            <a:schemeClr val="dk1"/>
+          </a:lnRef>
+          <a:fillRef idx="0">
+            <a:schemeClr val="dk1"/>
+          </a:fillRef>
+          <a:effectRef idx="1">
+            <a:schemeClr val="dk1"/>
+          </a:effectRef>
+          <a:fontRef idx="minor">
+            <a:schemeClr val="tx1"/>
+          </a:fontRef>
+        </p:style>
+      </p:cxnSp>
+      <p:sp>
+        <p:nvSpPr>
+          <p:cNvPr id="79" name="TextBox 78">
+            <a:extLst>
+              <a:ext uri="{FF2B5EF4-FFF2-40B4-BE49-F238E27FC236}">
+                <a16:creationId xmlns:a16="http://schemas.microsoft.com/office/drawing/2014/main" id="{B12AC591-39D4-DE46-A899-8F65C013E2E8}"/>
+              </a:ext>
+            </a:extLst>
+          </p:cNvPr>
+          <p:cNvSpPr txBox="1"/>
+          <p:nvPr/>
+        </p:nvSpPr>
+        <p:spPr>
+          <a:xfrm>
+            <a:off x="5875774" y="840310"/>
+            <a:ext cx="461986" cy="369332"/>
+          </a:xfrm>
+          <a:prstGeom prst="rect">
+            <a:avLst/>
+          </a:prstGeom>
+          <a:noFill/>
+        </p:spPr>
+        <p:txBody>
+          <a:bodyPr wrap="none" rtlCol="0">
+            <a:spAutoFit/>
+          </a:bodyPr>
+          <a:lstStyle/>
+          <a:p>
+            <a:r>
+              <a:rPr lang="en-US" dirty="0"/>
+              <a:t>OR</a:t>
+            </a:r>
+          </a:p>
+        </p:txBody>
+      </p:sp>
+      <p:sp>
+        <p:nvSpPr>
+          <p:cNvPr id="84" name="Rounded Rectangle 83">
+            <a:extLst>
+              <a:ext uri="{FF2B5EF4-FFF2-40B4-BE49-F238E27FC236}">
+                <a16:creationId xmlns:a16="http://schemas.microsoft.com/office/drawing/2014/main" id="{731393FE-4991-5147-BB03-850064951844}"/>
+              </a:ext>
+            </a:extLst>
+          </p:cNvPr>
+          <p:cNvSpPr/>
+          <p:nvPr/>
+        </p:nvSpPr>
+        <p:spPr>
+          <a:xfrm>
+            <a:off x="6475775" y="3057035"/>
+            <a:ext cx="1553224" cy="738318"/>
+          </a:xfrm>
+          <a:prstGeom prst="roundRect">
+            <a:avLst/>
+          </a:prstGeom>
+        </p:spPr>
+        <p:style>
+          <a:lnRef idx="0">
+            <a:schemeClr val="accent2"/>
+          </a:lnRef>
+          <a:fillRef idx="3">
+            <a:schemeClr val="accent2"/>
+          </a:fillRef>
+          <a:effectRef idx="3">
+            <a:schemeClr val="accent2"/>
+          </a:effectRef>
+          <a:fontRef idx="minor">
+            <a:schemeClr val="lt1"/>
+          </a:fontRef>
+        </p:style>
+        <p:txBody>
+          <a:bodyPr rtlCol="0" anchor="ctr"/>
+          <a:lstStyle/>
+          <a:p>
+            <a:pPr algn="ctr"/>
+            <a:r>
+              <a:rPr lang="en-US" dirty="0"/>
+              <a:t>Half-open connections</a:t>
+            </a:r>
+          </a:p>
+        </p:txBody>
+      </p:sp>
+      <p:cxnSp>
+        <p:nvCxnSpPr>
+          <p:cNvPr id="89" name="Straight Arrow Connector 88">
+            <a:extLst>
+              <a:ext uri="{FF2B5EF4-FFF2-40B4-BE49-F238E27FC236}">
+                <a16:creationId xmlns:a16="http://schemas.microsoft.com/office/drawing/2014/main" id="{88B90FB5-73D3-934C-A2F6-16A031AB8423}"/>
+              </a:ext>
+            </a:extLst>
+          </p:cNvPr>
+          <p:cNvCxnSpPr>
+            <a:cxnSpLocks/>
+            <a:stCxn id="84" idx="0"/>
+            <a:endCxn id="6" idx="2"/>
+          </p:cNvCxnSpPr>
+          <p:nvPr/>
+        </p:nvCxnSpPr>
+        <p:spPr>
+          <a:xfrm flipH="1" flipV="1">
+            <a:off x="7245128" y="2197274"/>
+            <a:ext cx="7259" cy="859761"/>
+          </a:xfrm>
+          <a:prstGeom prst="straightConnector1">
+            <a:avLst/>
+          </a:prstGeom>
+          <a:ln>
+            <a:tailEnd type="triangle"/>
+          </a:ln>
+        </p:spPr>
+        <p:style>
+          <a:lnRef idx="2">
+            <a:schemeClr val="dk1"/>
+          </a:lnRef>
+          <a:fillRef idx="0">
+            <a:schemeClr val="dk1"/>
+          </a:fillRef>
+          <a:effectRef idx="1">
+            <a:schemeClr val="dk1"/>
+          </a:effectRef>
+          <a:fontRef idx="minor">
+            <a:schemeClr val="tx1"/>
+          </a:fontRef>
+        </p:style>
+      </p:cxnSp>
+      <p:sp>
+        <p:nvSpPr>
+          <p:cNvPr id="101" name="Rounded Rectangle 100">
+            <a:extLst>
+              <a:ext uri="{FF2B5EF4-FFF2-40B4-BE49-F238E27FC236}">
+                <a16:creationId xmlns:a16="http://schemas.microsoft.com/office/drawing/2014/main" id="{46272C8B-B0D1-E64A-824C-1738EC135280}"/>
+              </a:ext>
+            </a:extLst>
+          </p:cNvPr>
+          <p:cNvSpPr/>
+          <p:nvPr/>
+        </p:nvSpPr>
+        <p:spPr>
+          <a:xfrm>
+            <a:off x="9131418" y="5465949"/>
+            <a:ext cx="1666017" cy="981205"/>
+          </a:xfrm>
+          <a:prstGeom prst="roundRect">
+            <a:avLst/>
+          </a:prstGeom>
+        </p:spPr>
+        <p:style>
+          <a:lnRef idx="0">
+            <a:schemeClr val="dk1"/>
+          </a:lnRef>
+          <a:fillRef idx="3">
+            <a:schemeClr val="dk1"/>
+          </a:fillRef>
+          <a:effectRef idx="3">
+            <a:schemeClr val="dk1"/>
+          </a:effectRef>
+          <a:fontRef idx="minor">
+            <a:schemeClr val="lt1"/>
+          </a:fontRef>
+        </p:style>
+        <p:txBody>
+          <a:bodyPr rtlCol="0" anchor="ctr"/>
+          <a:lstStyle/>
+          <a:p>
+            <a:pPr algn="ctr"/>
+            <a:r>
+              <a:rPr lang="en-US" dirty="0"/>
+              <a:t>Send request and RTS with spoofed SRC</a:t>
+            </a:r>
+          </a:p>
+        </p:txBody>
+      </p:sp>
+      <p:cxnSp>
+        <p:nvCxnSpPr>
+          <p:cNvPr id="102" name="Straight Arrow Connector 101">
+            <a:extLst>
+              <a:ext uri="{FF2B5EF4-FFF2-40B4-BE49-F238E27FC236}">
+                <a16:creationId xmlns:a16="http://schemas.microsoft.com/office/drawing/2014/main" id="{02F0EA6C-5774-D84D-AFD7-C4131B4B9E04}"/>
+              </a:ext>
+            </a:extLst>
+          </p:cNvPr>
+          <p:cNvCxnSpPr>
+            <a:cxnSpLocks/>
+            <a:stCxn id="101" idx="0"/>
+            <a:endCxn id="7" idx="2"/>
+          </p:cNvCxnSpPr>
+          <p:nvPr/>
+        </p:nvCxnSpPr>
+        <p:spPr>
+          <a:xfrm flipH="1" flipV="1">
+            <a:off x="9204491" y="3787653"/>
+            <a:ext cx="759936" cy="1678296"/>
+          </a:xfrm>
+          <a:prstGeom prst="straightConnector1">
+            <a:avLst/>
+          </a:prstGeom>
+          <a:ln>
+            <a:tailEnd type="triangle"/>
+          </a:ln>
+        </p:spPr>
+        <p:style>
+          <a:lnRef idx="2">
+            <a:schemeClr val="dk1"/>
+          </a:lnRef>
+          <a:fillRef idx="0">
+            <a:schemeClr val="dk1"/>
+          </a:fillRef>
+          <a:effectRef idx="1">
+            <a:schemeClr val="dk1"/>
+          </a:effectRef>
+          <a:fontRef idx="minor">
+            <a:schemeClr val="tx1"/>
+          </a:fontRef>
+        </p:style>
+      </p:cxnSp>
+      <p:sp>
+        <p:nvSpPr>
+          <p:cNvPr id="108" name="TextBox 107">
+            <a:extLst>
+              <a:ext uri="{FF2B5EF4-FFF2-40B4-BE49-F238E27FC236}">
+                <a16:creationId xmlns:a16="http://schemas.microsoft.com/office/drawing/2014/main" id="{F6E8E5F2-5517-1846-BB89-DD6B625A1767}"/>
+              </a:ext>
+            </a:extLst>
+          </p:cNvPr>
+          <p:cNvSpPr txBox="1"/>
+          <p:nvPr/>
+        </p:nvSpPr>
+        <p:spPr>
+          <a:xfrm>
+            <a:off x="4774219" y="6415346"/>
+            <a:ext cx="3403111" cy="369332"/>
+          </a:xfrm>
+          <a:prstGeom prst="rect">
+            <a:avLst/>
+          </a:prstGeom>
+          <a:noFill/>
+        </p:spPr>
+        <p:txBody>
+          <a:bodyPr wrap="none" rtlCol="0">
+            <a:spAutoFit/>
+          </a:bodyPr>
+          <a:lstStyle/>
+          <a:p>
+            <a:r>
+              <a:rPr lang="en-US" dirty="0"/>
+              <a:t>Assuming timers are implemented</a:t>
+            </a:r>
+          </a:p>
+        </p:txBody>
+      </p:sp>
+    </p:spTree>
+    <p:extLst>
+      <p:ext uri="{BB962C8B-B14F-4D97-AF65-F5344CB8AC3E}">
+        <p14:creationId xmlns:p14="http://schemas.microsoft.com/office/powerpoint/2010/main" val="1036631875"/>
+      </p:ext>
+    </p:extLst>
+  </p:cSld>
+  <p:clrMapOvr>
+    <a:masterClrMapping/>
+  </p:clrMapOvr>
+</p:sld>
+</file>
+
+<file path=ppt/slides/slide5.xml><?xml version="1.0" encoding="utf-8"?>
+<p:sld xmlns:a="http://schemas.openxmlformats.org/drawingml/2006/main" xmlns:r="http://schemas.openxmlformats.org/officeDocument/2006/relationships" xmlns:p="http://schemas.openxmlformats.org/presentationml/2006/main">
+  <p:cSld>
+    <p:spTree>
+      <p:nvGrpSpPr>
+        <p:cNvPr id="1" name=""/>
+        <p:cNvGrpSpPr/>
+        <p:nvPr/>
+      </p:nvGrpSpPr>
+      <p:grpSpPr>
+        <a:xfrm>
+          <a:off x="0" y="0"/>
+          <a:ext cx="0" cy="0"/>
+          <a:chOff x="0" y="0"/>
+          <a:chExt cx="0" cy="0"/>
+        </a:xfrm>
+      </p:grpSpPr>
+      <p:sp>
+        <p:nvSpPr>
+          <p:cNvPr id="2" name="Title 1">
+            <a:extLst>
+              <a:ext uri="{FF2B5EF4-FFF2-40B4-BE49-F238E27FC236}">
+                <a16:creationId xmlns:a16="http://schemas.microsoft.com/office/drawing/2014/main" id="{89F812DC-DB16-4749-853C-D07026C0992C}"/>
+              </a:ext>
+            </a:extLst>
+          </p:cNvPr>
+          <p:cNvSpPr>
+            <a:spLocks noGrp="1"/>
+          </p:cNvSpPr>
+          <p:nvPr>
+            <p:ph type="title"/>
+          </p:nvPr>
+        </p:nvSpPr>
+        <p:spPr>
+          <a:xfrm rot="16200000">
+            <a:off x="-1856462" y="2517732"/>
+            <a:ext cx="5157076" cy="1356986"/>
+          </a:xfrm>
+        </p:spPr>
+        <p:txBody>
+          <a:bodyPr/>
+          <a:lstStyle/>
+          <a:p>
+            <a:r>
+              <a:rPr lang="en-US" dirty="0"/>
+              <a:t>Possible Attack Graph</a:t>
+            </a:r>
+          </a:p>
+        </p:txBody>
+      </p:sp>
+      <p:sp>
+        <p:nvSpPr>
+          <p:cNvPr id="4" name="Rounded Rectangle 3">
+            <a:extLst>
+              <a:ext uri="{FF2B5EF4-FFF2-40B4-BE49-F238E27FC236}">
+                <a16:creationId xmlns:a16="http://schemas.microsoft.com/office/drawing/2014/main" id="{152EEE0F-90A4-F743-A5FB-F41CFA6C6FF9}"/>
+              </a:ext>
+            </a:extLst>
+          </p:cNvPr>
+          <p:cNvSpPr/>
+          <p:nvPr/>
+        </p:nvSpPr>
+        <p:spPr>
+          <a:xfrm>
+            <a:off x="5620008" y="181301"/>
+            <a:ext cx="1002082" cy="638828"/>
+          </a:xfrm>
+          <a:prstGeom prst="roundRect">
+            <a:avLst/>
+          </a:prstGeom>
+        </p:spPr>
+        <p:style>
+          <a:lnRef idx="0">
+            <a:schemeClr val="accent1"/>
+          </a:lnRef>
+          <a:fillRef idx="3">
+            <a:schemeClr val="accent1"/>
+          </a:fillRef>
+          <a:effectRef idx="3">
+            <a:schemeClr val="accent1"/>
+          </a:effectRef>
+          <a:fontRef idx="minor">
+            <a:schemeClr val="lt1"/>
+          </a:fontRef>
+        </p:style>
+        <p:txBody>
+          <a:bodyPr rtlCol="0" anchor="ctr"/>
+          <a:lstStyle/>
+          <a:p>
+            <a:pPr algn="ctr"/>
+            <a:r>
+              <a:rPr lang="en-US" dirty="0"/>
+              <a:t>DoS</a:t>
+            </a:r>
+          </a:p>
+        </p:txBody>
+      </p:sp>
+      <p:sp>
+        <p:nvSpPr>
+          <p:cNvPr id="6" name="Rounded Rectangle 5">
+            <a:extLst>
+              <a:ext uri="{FF2B5EF4-FFF2-40B4-BE49-F238E27FC236}">
+                <a16:creationId xmlns:a16="http://schemas.microsoft.com/office/drawing/2014/main" id="{44B27642-8F80-9049-AB78-E577EE77E76E}"/>
+              </a:ext>
+            </a:extLst>
+          </p:cNvPr>
+          <p:cNvSpPr/>
+          <p:nvPr/>
+        </p:nvSpPr>
+        <p:spPr>
+          <a:xfrm>
+            <a:off x="6566634" y="1458957"/>
+            <a:ext cx="1356987" cy="738317"/>
           </a:xfrm>
           <a:prstGeom prst="roundRect">
             <a:avLst/>
@@ -3955,17 +5355,17 @@
             <a:pPr algn="ctr"/>
             <a:r>
               <a:rPr lang="en-US" dirty="0"/>
-              <a:t>Connection limit reached</a:t>
-            </a:r>
-          </a:p>
-        </p:txBody>
-      </p:sp>
-      <p:sp>
-        <p:nvSpPr>
-          <p:cNvPr id="11" name="Rounded Rectangle 10">
-            <a:extLst>
-              <a:ext uri="{FF2B5EF4-FFF2-40B4-BE49-F238E27FC236}">
-                <a16:creationId xmlns:a16="http://schemas.microsoft.com/office/drawing/2014/main" id="{A83D7AAF-B8C6-9040-AD5E-A293B887BC63}"/>
+              <a:t>Memory over usage</a:t>
+            </a:r>
+          </a:p>
+        </p:txBody>
+      </p:sp>
+      <p:sp>
+        <p:nvSpPr>
+          <p:cNvPr id="7" name="Rounded Rectangle 6">
+            <a:extLst>
+              <a:ext uri="{FF2B5EF4-FFF2-40B4-BE49-F238E27FC236}">
+                <a16:creationId xmlns:a16="http://schemas.microsoft.com/office/drawing/2014/main" id="{8F72C6A9-2AA0-1347-9CD1-88E1BB87A33B}"/>
               </a:ext>
             </a:extLst>
           </p:cNvPr>
@@ -3974,8 +5374,8 @@
         </p:nvSpPr>
         <p:spPr>
           <a:xfrm>
-            <a:off x="3839103" y="2935591"/>
-            <a:ext cx="1553224" cy="981206"/>
+            <a:off x="8427879" y="3049335"/>
+            <a:ext cx="1553224" cy="738318"/>
           </a:xfrm>
           <a:prstGeom prst="roundRect">
             <a:avLst/>
@@ -4002,17 +5402,17 @@
             <a:pPr algn="ctr"/>
             <a:r>
               <a:rPr lang="en-US" dirty="0"/>
-              <a:t>Unbounded requests</a:t>
-            </a:r>
-          </a:p>
-        </p:txBody>
-      </p:sp>
-      <p:sp>
-        <p:nvSpPr>
-          <p:cNvPr id="12" name="Rounded Rectangle 11">
-            <a:extLst>
-              <a:ext uri="{FF2B5EF4-FFF2-40B4-BE49-F238E27FC236}">
-                <a16:creationId xmlns:a16="http://schemas.microsoft.com/office/drawing/2014/main" id="{43115BBE-5C17-E148-9AF9-46671AD34033}"/>
+              <a:t>Open connections</a:t>
+            </a:r>
+          </a:p>
+        </p:txBody>
+      </p:sp>
+      <p:sp>
+        <p:nvSpPr>
+          <p:cNvPr id="8" name="Rounded Rectangle 7">
+            <a:extLst>
+              <a:ext uri="{FF2B5EF4-FFF2-40B4-BE49-F238E27FC236}">
+                <a16:creationId xmlns:a16="http://schemas.microsoft.com/office/drawing/2014/main" id="{750D988B-4146-6141-8E02-9E3423E531E0}"/>
               </a:ext>
             </a:extLst>
           </p:cNvPr>
@@ -4021,7 +5421,101 @@
         </p:nvSpPr>
         <p:spPr>
           <a:xfrm>
-            <a:off x="10411216" y="2938397"/>
+            <a:off x="3939165" y="1418248"/>
+            <a:ext cx="1356987" cy="738317"/>
+          </a:xfrm>
+          <a:prstGeom prst="roundRect">
+            <a:avLst/>
+          </a:prstGeom>
+        </p:spPr>
+        <p:style>
+          <a:lnRef idx="0">
+            <a:schemeClr val="accent3"/>
+          </a:lnRef>
+          <a:fillRef idx="3">
+            <a:schemeClr val="accent3"/>
+          </a:fillRef>
+          <a:effectRef idx="3">
+            <a:schemeClr val="accent3"/>
+          </a:effectRef>
+          <a:fontRef idx="minor">
+            <a:schemeClr val="lt1"/>
+          </a:fontRef>
+        </p:style>
+        <p:txBody>
+          <a:bodyPr rtlCol="0" anchor="ctr"/>
+          <a:lstStyle/>
+          <a:p>
+            <a:pPr algn="ctr"/>
+            <a:r>
+              <a:rPr lang="en-US" dirty="0"/>
+              <a:t>CPU over usage</a:t>
+            </a:r>
+          </a:p>
+        </p:txBody>
+      </p:sp>
+      <p:sp>
+        <p:nvSpPr>
+          <p:cNvPr id="10" name="Rounded Rectangle 9">
+            <a:extLst>
+              <a:ext uri="{FF2B5EF4-FFF2-40B4-BE49-F238E27FC236}">
+                <a16:creationId xmlns:a16="http://schemas.microsoft.com/office/drawing/2014/main" id="{A3175C2E-CCD5-5446-8174-2233F92666EA}"/>
+              </a:ext>
+            </a:extLst>
+          </p:cNvPr>
+          <p:cNvSpPr/>
+          <p:nvPr/>
+        </p:nvSpPr>
+        <p:spPr>
+          <a:xfrm>
+            <a:off x="9567807" y="1458957"/>
+            <a:ext cx="1620021" cy="738317"/>
+          </a:xfrm>
+          <a:prstGeom prst="roundRect">
+            <a:avLst/>
+          </a:prstGeom>
+        </p:spPr>
+        <p:style>
+          <a:lnRef idx="0">
+            <a:schemeClr val="accent3"/>
+          </a:lnRef>
+          <a:fillRef idx="3">
+            <a:schemeClr val="accent3"/>
+          </a:fillRef>
+          <a:effectRef idx="3">
+            <a:schemeClr val="accent3"/>
+          </a:effectRef>
+          <a:fontRef idx="minor">
+            <a:schemeClr val="lt1"/>
+          </a:fontRef>
+        </p:style>
+        <p:txBody>
+          <a:bodyPr rtlCol="0" anchor="ctr"/>
+          <a:lstStyle/>
+          <a:p>
+            <a:pPr algn="ctr"/>
+            <a:r>
+              <a:rPr lang="en-US" dirty="0"/>
+              <a:t>Connection limit reached</a:t>
+            </a:r>
+          </a:p>
+        </p:txBody>
+      </p:sp>
+      <p:sp>
+        <p:nvSpPr>
+          <p:cNvPr id="11" name="Rounded Rectangle 10">
+            <a:extLst>
+              <a:ext uri="{FF2B5EF4-FFF2-40B4-BE49-F238E27FC236}">
+                <a16:creationId xmlns:a16="http://schemas.microsoft.com/office/drawing/2014/main" id="{A83D7AAF-B8C6-9040-AD5E-A293B887BC63}"/>
+              </a:ext>
+            </a:extLst>
+          </p:cNvPr>
+          <p:cNvSpPr/>
+          <p:nvPr/>
+        </p:nvSpPr>
+        <p:spPr>
+          <a:xfrm>
+            <a:off x="3839103" y="2935591"/>
             <a:ext cx="1553224" cy="981206"/>
           </a:xfrm>
           <a:prstGeom prst="roundRect">
@@ -4049,146 +5543,17 @@
             <a:pPr algn="ctr"/>
             <a:r>
               <a:rPr lang="en-US" dirty="0"/>
-              <a:t>Keep alive</a:t>
-            </a:r>
-          </a:p>
-        </p:txBody>
-      </p:sp>
-      <p:cxnSp>
-        <p:nvCxnSpPr>
-          <p:cNvPr id="14" name="Straight Arrow Connector 13">
-            <a:extLst>
-              <a:ext uri="{FF2B5EF4-FFF2-40B4-BE49-F238E27FC236}">
-                <a16:creationId xmlns:a16="http://schemas.microsoft.com/office/drawing/2014/main" id="{B3BA77C4-F5A3-704A-9F81-D3B16A56FF82}"/>
-              </a:ext>
-            </a:extLst>
-          </p:cNvPr>
-          <p:cNvCxnSpPr>
-            <a:cxnSpLocks/>
-            <a:stCxn id="7" idx="0"/>
-            <a:endCxn id="10" idx="2"/>
-          </p:cNvCxnSpPr>
-          <p:nvPr/>
-        </p:nvCxnSpPr>
-        <p:spPr>
-          <a:xfrm flipV="1">
-            <a:off x="9204491" y="2197274"/>
-            <a:ext cx="1173327" cy="852061"/>
-          </a:xfrm>
-          <a:prstGeom prst="straightConnector1">
-            <a:avLst/>
-          </a:prstGeom>
-          <a:ln>
-            <a:tailEnd type="triangle"/>
-          </a:ln>
-        </p:spPr>
-        <p:style>
-          <a:lnRef idx="2">
-            <a:schemeClr val="dk1"/>
-          </a:lnRef>
-          <a:fillRef idx="0">
-            <a:schemeClr val="dk1"/>
-          </a:fillRef>
-          <a:effectRef idx="1">
-            <a:schemeClr val="dk1"/>
-          </a:effectRef>
-          <a:fontRef idx="minor">
-            <a:schemeClr val="tx1"/>
-          </a:fontRef>
-        </p:style>
-      </p:cxnSp>
-      <p:cxnSp>
-        <p:nvCxnSpPr>
-          <p:cNvPr id="15" name="Straight Arrow Connector 14">
-            <a:extLst>
-              <a:ext uri="{FF2B5EF4-FFF2-40B4-BE49-F238E27FC236}">
-                <a16:creationId xmlns:a16="http://schemas.microsoft.com/office/drawing/2014/main" id="{1DDC5C99-BC50-4C4C-9A60-AFFB6FC62BAC}"/>
-              </a:ext>
-            </a:extLst>
-          </p:cNvPr>
-          <p:cNvCxnSpPr>
-            <a:cxnSpLocks/>
-            <a:stCxn id="12" idx="0"/>
-            <a:endCxn id="10" idx="2"/>
-          </p:cNvCxnSpPr>
-          <p:nvPr/>
-        </p:nvCxnSpPr>
-        <p:spPr>
-          <a:xfrm flipH="1" flipV="1">
-            <a:off x="10377818" y="2197274"/>
-            <a:ext cx="810010" cy="741123"/>
-          </a:xfrm>
-          <a:prstGeom prst="straightConnector1">
-            <a:avLst/>
-          </a:prstGeom>
-          <a:ln>
-            <a:tailEnd type="triangle"/>
-          </a:ln>
-        </p:spPr>
-        <p:style>
-          <a:lnRef idx="2">
-            <a:schemeClr val="dk1"/>
-          </a:lnRef>
-          <a:fillRef idx="0">
-            <a:schemeClr val="dk1"/>
-          </a:fillRef>
-          <a:effectRef idx="1">
-            <a:schemeClr val="dk1"/>
-          </a:effectRef>
-          <a:fontRef idx="minor">
-            <a:schemeClr val="tx1"/>
-          </a:fontRef>
-        </p:style>
-      </p:cxnSp>
-      <p:cxnSp>
-        <p:nvCxnSpPr>
-          <p:cNvPr id="30" name="Straight Arrow Connector 29">
-            <a:extLst>
-              <a:ext uri="{FF2B5EF4-FFF2-40B4-BE49-F238E27FC236}">
-                <a16:creationId xmlns:a16="http://schemas.microsoft.com/office/drawing/2014/main" id="{F0C32030-14A8-E14E-A44B-7A8F946A3AFC}"/>
-              </a:ext>
-            </a:extLst>
-          </p:cNvPr>
-          <p:cNvCxnSpPr>
-            <a:cxnSpLocks/>
-            <a:stCxn id="11" idx="0"/>
-            <a:endCxn id="8" idx="2"/>
-          </p:cNvCxnSpPr>
-          <p:nvPr/>
-        </p:nvCxnSpPr>
-        <p:spPr>
-          <a:xfrm flipV="1">
-            <a:off x="4615715" y="2156565"/>
-            <a:ext cx="1944" cy="779026"/>
-          </a:xfrm>
-          <a:prstGeom prst="straightConnector1">
-            <a:avLst/>
-          </a:prstGeom>
-          <a:ln>
-            <a:tailEnd type="triangle"/>
-          </a:ln>
-        </p:spPr>
-        <p:style>
-          <a:lnRef idx="2">
-            <a:schemeClr val="dk1"/>
-          </a:lnRef>
-          <a:fillRef idx="0">
-            <a:schemeClr val="dk1"/>
-          </a:fillRef>
-          <a:effectRef idx="1">
-            <a:schemeClr val="dk1"/>
-          </a:effectRef>
-          <a:fontRef idx="minor">
-            <a:schemeClr val="tx1"/>
-          </a:fontRef>
-        </p:style>
-      </p:cxnSp>
-      <p:sp>
-        <p:nvSpPr>
-          <p:cNvPr id="33" name="Rounded Rectangle 32">
-            <a:extLst>
-              <a:ext uri="{FF2B5EF4-FFF2-40B4-BE49-F238E27FC236}">
-                <a16:creationId xmlns:a16="http://schemas.microsoft.com/office/drawing/2014/main" id="{9FFC374B-092E-FD49-AF76-463E407FCD0A}"/>
+              <a:t>Unbounded requests</a:t>
+            </a:r>
+          </a:p>
+        </p:txBody>
+      </p:sp>
+      <p:sp>
+        <p:nvSpPr>
+          <p:cNvPr id="12" name="Rounded Rectangle 11">
+            <a:extLst>
+              <a:ext uri="{FF2B5EF4-FFF2-40B4-BE49-F238E27FC236}">
+                <a16:creationId xmlns:a16="http://schemas.microsoft.com/office/drawing/2014/main" id="{43115BBE-5C17-E148-9AF9-46671AD34033}"/>
               </a:ext>
             </a:extLst>
           </p:cNvPr>
@@ -4197,8 +5562,8 @@
         </p:nvSpPr>
         <p:spPr>
           <a:xfrm>
-            <a:off x="1446636" y="2935591"/>
-            <a:ext cx="1651343" cy="981206"/>
+            <a:off x="10411216" y="2938397"/>
+            <a:ext cx="1553224" cy="981206"/>
           </a:xfrm>
           <a:prstGeom prst="roundRect">
             <a:avLst/>
@@ -4225,31 +5590,117 @@
             <a:pPr algn="ctr"/>
             <a:r>
               <a:rPr lang="en-US" dirty="0"/>
-              <a:t>Buffer size &lt; input data size</a:t>
+              <a:t>Keep alive</a:t>
             </a:r>
           </a:p>
         </p:txBody>
       </p:sp>
       <p:cxnSp>
         <p:nvCxnSpPr>
-          <p:cNvPr id="34" name="Straight Arrow Connector 33">
-            <a:extLst>
-              <a:ext uri="{FF2B5EF4-FFF2-40B4-BE49-F238E27FC236}">
-                <a16:creationId xmlns:a16="http://schemas.microsoft.com/office/drawing/2014/main" id="{ED68C38C-A491-8D42-979D-827C84F3AA85}"/>
+          <p:cNvPr id="14" name="Straight Arrow Connector 13">
+            <a:extLst>
+              <a:ext uri="{FF2B5EF4-FFF2-40B4-BE49-F238E27FC236}">
+                <a16:creationId xmlns:a16="http://schemas.microsoft.com/office/drawing/2014/main" id="{B3BA77C4-F5A3-704A-9F81-D3B16A56FF82}"/>
               </a:ext>
             </a:extLst>
           </p:cNvPr>
           <p:cNvCxnSpPr>
             <a:cxnSpLocks/>
-            <a:stCxn id="33" idx="0"/>
-            <a:endCxn id="5" idx="2"/>
+            <a:stCxn id="7" idx="0"/>
+            <a:endCxn id="10" idx="2"/>
           </p:cNvCxnSpPr>
           <p:nvPr/>
         </p:nvCxnSpPr>
         <p:spPr>
           <a:xfrm flipV="1">
-            <a:off x="2272308" y="2156565"/>
-            <a:ext cx="2195" cy="779026"/>
+            <a:off x="9204491" y="2197274"/>
+            <a:ext cx="1173327" cy="852061"/>
+          </a:xfrm>
+          <a:prstGeom prst="straightConnector1">
+            <a:avLst/>
+          </a:prstGeom>
+          <a:ln>
+            <a:tailEnd type="triangle"/>
+          </a:ln>
+        </p:spPr>
+        <p:style>
+          <a:lnRef idx="2">
+            <a:schemeClr val="dk1"/>
+          </a:lnRef>
+          <a:fillRef idx="0">
+            <a:schemeClr val="dk1"/>
+          </a:fillRef>
+          <a:effectRef idx="1">
+            <a:schemeClr val="dk1"/>
+          </a:effectRef>
+          <a:fontRef idx="minor">
+            <a:schemeClr val="tx1"/>
+          </a:fontRef>
+        </p:style>
+      </p:cxnSp>
+      <p:cxnSp>
+        <p:nvCxnSpPr>
+          <p:cNvPr id="15" name="Straight Arrow Connector 14">
+            <a:extLst>
+              <a:ext uri="{FF2B5EF4-FFF2-40B4-BE49-F238E27FC236}">
+                <a16:creationId xmlns:a16="http://schemas.microsoft.com/office/drawing/2014/main" id="{1DDC5C99-BC50-4C4C-9A60-AFFB6FC62BAC}"/>
+              </a:ext>
+            </a:extLst>
+          </p:cNvPr>
+          <p:cNvCxnSpPr>
+            <a:cxnSpLocks/>
+            <a:stCxn id="12" idx="0"/>
+            <a:endCxn id="10" idx="2"/>
+          </p:cNvCxnSpPr>
+          <p:nvPr/>
+        </p:nvCxnSpPr>
+        <p:spPr>
+          <a:xfrm flipH="1" flipV="1">
+            <a:off x="10377818" y="2197274"/>
+            <a:ext cx="810010" cy="741123"/>
+          </a:xfrm>
+          <a:prstGeom prst="straightConnector1">
+            <a:avLst/>
+          </a:prstGeom>
+          <a:ln>
+            <a:tailEnd type="triangle"/>
+          </a:ln>
+        </p:spPr>
+        <p:style>
+          <a:lnRef idx="2">
+            <a:schemeClr val="dk1"/>
+          </a:lnRef>
+          <a:fillRef idx="0">
+            <a:schemeClr val="dk1"/>
+          </a:fillRef>
+          <a:effectRef idx="1">
+            <a:schemeClr val="dk1"/>
+          </a:effectRef>
+          <a:fontRef idx="minor">
+            <a:schemeClr val="tx1"/>
+          </a:fontRef>
+        </p:style>
+      </p:cxnSp>
+      <p:cxnSp>
+        <p:nvCxnSpPr>
+          <p:cNvPr id="30" name="Straight Arrow Connector 29">
+            <a:extLst>
+              <a:ext uri="{FF2B5EF4-FFF2-40B4-BE49-F238E27FC236}">
+                <a16:creationId xmlns:a16="http://schemas.microsoft.com/office/drawing/2014/main" id="{F0C32030-14A8-E14E-A44B-7A8F946A3AFC}"/>
+              </a:ext>
+            </a:extLst>
+          </p:cNvPr>
+          <p:cNvCxnSpPr>
+            <a:cxnSpLocks/>
+            <a:stCxn id="11" idx="0"/>
+            <a:endCxn id="8" idx="2"/>
+          </p:cNvCxnSpPr>
+          <p:nvPr/>
+        </p:nvCxnSpPr>
+        <p:spPr>
+          <a:xfrm flipV="1">
+            <a:off x="4615715" y="2156565"/>
+            <a:ext cx="1944" cy="779026"/>
           </a:xfrm>
           <a:prstGeom prst="straightConnector1">
             <a:avLst/>
@@ -4379,49 +5830,6 @@
           <a:xfrm flipV="1">
             <a:off x="4617659" y="820129"/>
             <a:ext cx="1503390" cy="598119"/>
-          </a:xfrm>
-          <a:prstGeom prst="straightConnector1">
-            <a:avLst/>
-          </a:prstGeom>
-          <a:ln>
-            <a:tailEnd type="triangle"/>
-          </a:ln>
-        </p:spPr>
-        <p:style>
-          <a:lnRef idx="2">
-            <a:schemeClr val="dk1"/>
-          </a:lnRef>
-          <a:fillRef idx="0">
-            <a:schemeClr val="dk1"/>
-          </a:fillRef>
-          <a:effectRef idx="1">
-            <a:schemeClr val="dk1"/>
-          </a:effectRef>
-          <a:fontRef idx="minor">
-            <a:schemeClr val="tx1"/>
-          </a:fontRef>
-        </p:style>
-      </p:cxnSp>
-      <p:cxnSp>
-        <p:nvCxnSpPr>
-          <p:cNvPr id="46" name="Straight Arrow Connector 45">
-            <a:extLst>
-              <a:ext uri="{FF2B5EF4-FFF2-40B4-BE49-F238E27FC236}">
-                <a16:creationId xmlns:a16="http://schemas.microsoft.com/office/drawing/2014/main" id="{60BC08D6-E266-164A-B6E1-3FFD079BAA2F}"/>
-              </a:ext>
-            </a:extLst>
-          </p:cNvPr>
-          <p:cNvCxnSpPr>
-            <a:cxnSpLocks/>
-            <a:stCxn id="5" idx="0"/>
-            <a:endCxn id="4" idx="2"/>
-          </p:cNvCxnSpPr>
-          <p:nvPr/>
-        </p:nvCxnSpPr>
-        <p:spPr>
-          <a:xfrm flipV="1">
-            <a:off x="2274503" y="820129"/>
-            <a:ext cx="3846546" cy="598119"/>
           </a:xfrm>
           <a:prstGeom prst="straightConnector1">
             <a:avLst/>
@@ -5011,7 +6419,7 @@
     </p:spTree>
     <p:extLst>
       <p:ext uri="{BB962C8B-B14F-4D97-AF65-F5344CB8AC3E}">
-        <p14:creationId xmlns:p14="http://schemas.microsoft.com/office/powerpoint/2010/main" val="3242241822"/>
+        <p14:creationId xmlns:p14="http://schemas.microsoft.com/office/powerpoint/2010/main" val="552727686"/>
       </p:ext>
     </p:extLst>
   </p:cSld>
@@ -5021,7 +6429,1400 @@
 </p:sld>
 </file>
 
-<file path=ppt/slides/slide4.xml><?xml version="1.0" encoding="utf-8"?>
+<file path=ppt/slides/slide6.xml><?xml version="1.0" encoding="utf-8"?>
+<p:sld xmlns:a="http://schemas.openxmlformats.org/drawingml/2006/main" xmlns:r="http://schemas.openxmlformats.org/officeDocument/2006/relationships" xmlns:p="http://schemas.openxmlformats.org/presentationml/2006/main">
+  <p:cSld>
+    <p:spTree>
+      <p:nvGrpSpPr>
+        <p:cNvPr id="1" name=""/>
+        <p:cNvGrpSpPr/>
+        <p:nvPr/>
+      </p:nvGrpSpPr>
+      <p:grpSpPr>
+        <a:xfrm>
+          <a:off x="0" y="0"/>
+          <a:ext cx="0" cy="0"/>
+          <a:chOff x="0" y="0"/>
+          <a:chExt cx="0" cy="0"/>
+        </a:xfrm>
+      </p:grpSpPr>
+      <p:sp>
+        <p:nvSpPr>
+          <p:cNvPr id="2" name="Title 1">
+            <a:extLst>
+              <a:ext uri="{FF2B5EF4-FFF2-40B4-BE49-F238E27FC236}">
+                <a16:creationId xmlns:a16="http://schemas.microsoft.com/office/drawing/2014/main" id="{89F812DC-DB16-4749-853C-D07026C0992C}"/>
+              </a:ext>
+            </a:extLst>
+          </p:cNvPr>
+          <p:cNvSpPr>
+            <a:spLocks noGrp="1"/>
+          </p:cNvSpPr>
+          <p:nvPr>
+            <p:ph type="title"/>
+          </p:nvPr>
+        </p:nvSpPr>
+        <p:spPr>
+          <a:xfrm rot="16200000">
+            <a:off x="-1856462" y="2517732"/>
+            <a:ext cx="5157076" cy="1356986"/>
+          </a:xfrm>
+        </p:spPr>
+        <p:txBody>
+          <a:bodyPr/>
+          <a:lstStyle/>
+          <a:p>
+            <a:r>
+              <a:rPr lang="en-US" dirty="0"/>
+              <a:t>Possible Attack Graph</a:t>
+            </a:r>
+          </a:p>
+        </p:txBody>
+      </p:sp>
+      <p:sp>
+        <p:nvSpPr>
+          <p:cNvPr id="4" name="Rounded Rectangle 3">
+            <a:extLst>
+              <a:ext uri="{FF2B5EF4-FFF2-40B4-BE49-F238E27FC236}">
+                <a16:creationId xmlns:a16="http://schemas.microsoft.com/office/drawing/2014/main" id="{152EEE0F-90A4-F743-A5FB-F41CFA6C6FF9}"/>
+              </a:ext>
+            </a:extLst>
+          </p:cNvPr>
+          <p:cNvSpPr/>
+          <p:nvPr/>
+        </p:nvSpPr>
+        <p:spPr>
+          <a:xfrm>
+            <a:off x="5620008" y="181301"/>
+            <a:ext cx="1002082" cy="638828"/>
+          </a:xfrm>
+          <a:prstGeom prst="roundRect">
+            <a:avLst/>
+          </a:prstGeom>
+        </p:spPr>
+        <p:style>
+          <a:lnRef idx="0">
+            <a:schemeClr val="accent1"/>
+          </a:lnRef>
+          <a:fillRef idx="3">
+            <a:schemeClr val="accent1"/>
+          </a:fillRef>
+          <a:effectRef idx="3">
+            <a:schemeClr val="accent1"/>
+          </a:effectRef>
+          <a:fontRef idx="minor">
+            <a:schemeClr val="lt1"/>
+          </a:fontRef>
+        </p:style>
+        <p:txBody>
+          <a:bodyPr rtlCol="0" anchor="ctr"/>
+          <a:lstStyle/>
+          <a:p>
+            <a:pPr algn="ctr"/>
+            <a:r>
+              <a:rPr lang="en-US" dirty="0"/>
+              <a:t>DoS</a:t>
+            </a:r>
+          </a:p>
+        </p:txBody>
+      </p:sp>
+      <p:sp>
+        <p:nvSpPr>
+          <p:cNvPr id="5" name="Rounded Rectangle 4">
+            <a:extLst>
+              <a:ext uri="{FF2B5EF4-FFF2-40B4-BE49-F238E27FC236}">
+                <a16:creationId xmlns:a16="http://schemas.microsoft.com/office/drawing/2014/main" id="{CD30AE14-B5BA-A64E-B931-BE35B3B629D4}"/>
+              </a:ext>
+            </a:extLst>
+          </p:cNvPr>
+          <p:cNvSpPr/>
+          <p:nvPr/>
+        </p:nvSpPr>
+        <p:spPr>
+          <a:xfrm>
+            <a:off x="1705612" y="1418248"/>
+            <a:ext cx="1137781" cy="738317"/>
+          </a:xfrm>
+          <a:prstGeom prst="roundRect">
+            <a:avLst/>
+          </a:prstGeom>
+        </p:spPr>
+        <p:style>
+          <a:lnRef idx="0">
+            <a:schemeClr val="accent3"/>
+          </a:lnRef>
+          <a:fillRef idx="3">
+            <a:schemeClr val="accent3"/>
+          </a:fillRef>
+          <a:effectRef idx="3">
+            <a:schemeClr val="accent3"/>
+          </a:effectRef>
+          <a:fontRef idx="minor">
+            <a:schemeClr val="lt1"/>
+          </a:fontRef>
+        </p:style>
+        <p:txBody>
+          <a:bodyPr rtlCol="0" anchor="ctr"/>
+          <a:lstStyle/>
+          <a:p>
+            <a:pPr algn="ctr"/>
+            <a:r>
+              <a:rPr lang="en-US" dirty="0"/>
+              <a:t>Buffer overflow</a:t>
+            </a:r>
+          </a:p>
+        </p:txBody>
+      </p:sp>
+      <p:sp>
+        <p:nvSpPr>
+          <p:cNvPr id="6" name="Rounded Rectangle 5">
+            <a:extLst>
+              <a:ext uri="{FF2B5EF4-FFF2-40B4-BE49-F238E27FC236}">
+                <a16:creationId xmlns:a16="http://schemas.microsoft.com/office/drawing/2014/main" id="{44B27642-8F80-9049-AB78-E577EE77E76E}"/>
+              </a:ext>
+            </a:extLst>
+          </p:cNvPr>
+          <p:cNvSpPr/>
+          <p:nvPr/>
+        </p:nvSpPr>
+        <p:spPr>
+          <a:xfrm>
+            <a:off x="6566634" y="1458957"/>
+            <a:ext cx="1356987" cy="738317"/>
+          </a:xfrm>
+          <a:prstGeom prst="roundRect">
+            <a:avLst/>
+          </a:prstGeom>
+        </p:spPr>
+        <p:style>
+          <a:lnRef idx="0">
+            <a:schemeClr val="accent3"/>
+          </a:lnRef>
+          <a:fillRef idx="3">
+            <a:schemeClr val="accent3"/>
+          </a:fillRef>
+          <a:effectRef idx="3">
+            <a:schemeClr val="accent3"/>
+          </a:effectRef>
+          <a:fontRef idx="minor">
+            <a:schemeClr val="lt1"/>
+          </a:fontRef>
+        </p:style>
+        <p:txBody>
+          <a:bodyPr rtlCol="0" anchor="ctr"/>
+          <a:lstStyle/>
+          <a:p>
+            <a:pPr algn="ctr"/>
+            <a:r>
+              <a:rPr lang="en-US" dirty="0"/>
+              <a:t>Memory over usage</a:t>
+            </a:r>
+          </a:p>
+        </p:txBody>
+      </p:sp>
+      <p:sp>
+        <p:nvSpPr>
+          <p:cNvPr id="7" name="Rounded Rectangle 6">
+            <a:extLst>
+              <a:ext uri="{FF2B5EF4-FFF2-40B4-BE49-F238E27FC236}">
+                <a16:creationId xmlns:a16="http://schemas.microsoft.com/office/drawing/2014/main" id="{8F72C6A9-2AA0-1347-9CD1-88E1BB87A33B}"/>
+              </a:ext>
+            </a:extLst>
+          </p:cNvPr>
+          <p:cNvSpPr/>
+          <p:nvPr/>
+        </p:nvSpPr>
+        <p:spPr>
+          <a:xfrm>
+            <a:off x="8427879" y="3049335"/>
+            <a:ext cx="1553224" cy="738318"/>
+          </a:xfrm>
+          <a:prstGeom prst="roundRect">
+            <a:avLst/>
+          </a:prstGeom>
+        </p:spPr>
+        <p:style>
+          <a:lnRef idx="0">
+            <a:schemeClr val="accent2"/>
+          </a:lnRef>
+          <a:fillRef idx="3">
+            <a:schemeClr val="accent2"/>
+          </a:fillRef>
+          <a:effectRef idx="3">
+            <a:schemeClr val="accent2"/>
+          </a:effectRef>
+          <a:fontRef idx="minor">
+            <a:schemeClr val="lt1"/>
+          </a:fontRef>
+        </p:style>
+        <p:txBody>
+          <a:bodyPr rtlCol="0" anchor="ctr"/>
+          <a:lstStyle/>
+          <a:p>
+            <a:pPr algn="ctr"/>
+            <a:r>
+              <a:rPr lang="en-US" dirty="0"/>
+              <a:t>Open connections</a:t>
+            </a:r>
+          </a:p>
+        </p:txBody>
+      </p:sp>
+      <p:sp>
+        <p:nvSpPr>
+          <p:cNvPr id="8" name="Rounded Rectangle 7">
+            <a:extLst>
+              <a:ext uri="{FF2B5EF4-FFF2-40B4-BE49-F238E27FC236}">
+                <a16:creationId xmlns:a16="http://schemas.microsoft.com/office/drawing/2014/main" id="{750D988B-4146-6141-8E02-9E3423E531E0}"/>
+              </a:ext>
+            </a:extLst>
+          </p:cNvPr>
+          <p:cNvSpPr/>
+          <p:nvPr/>
+        </p:nvSpPr>
+        <p:spPr>
+          <a:xfrm>
+            <a:off x="3939165" y="1418248"/>
+            <a:ext cx="1356987" cy="738317"/>
+          </a:xfrm>
+          <a:prstGeom prst="roundRect">
+            <a:avLst/>
+          </a:prstGeom>
+        </p:spPr>
+        <p:style>
+          <a:lnRef idx="0">
+            <a:schemeClr val="accent3"/>
+          </a:lnRef>
+          <a:fillRef idx="3">
+            <a:schemeClr val="accent3"/>
+          </a:fillRef>
+          <a:effectRef idx="3">
+            <a:schemeClr val="accent3"/>
+          </a:effectRef>
+          <a:fontRef idx="minor">
+            <a:schemeClr val="lt1"/>
+          </a:fontRef>
+        </p:style>
+        <p:txBody>
+          <a:bodyPr rtlCol="0" anchor="ctr"/>
+          <a:lstStyle/>
+          <a:p>
+            <a:pPr algn="ctr"/>
+            <a:r>
+              <a:rPr lang="en-US" dirty="0"/>
+              <a:t>CPU over usage</a:t>
+            </a:r>
+          </a:p>
+        </p:txBody>
+      </p:sp>
+      <p:sp>
+        <p:nvSpPr>
+          <p:cNvPr id="10" name="Rounded Rectangle 9">
+            <a:extLst>
+              <a:ext uri="{FF2B5EF4-FFF2-40B4-BE49-F238E27FC236}">
+                <a16:creationId xmlns:a16="http://schemas.microsoft.com/office/drawing/2014/main" id="{A3175C2E-CCD5-5446-8174-2233F92666EA}"/>
+              </a:ext>
+            </a:extLst>
+          </p:cNvPr>
+          <p:cNvSpPr/>
+          <p:nvPr/>
+        </p:nvSpPr>
+        <p:spPr>
+          <a:xfrm>
+            <a:off x="9567807" y="1458957"/>
+            <a:ext cx="1620021" cy="738317"/>
+          </a:xfrm>
+          <a:prstGeom prst="roundRect">
+            <a:avLst/>
+          </a:prstGeom>
+        </p:spPr>
+        <p:style>
+          <a:lnRef idx="0">
+            <a:schemeClr val="accent3"/>
+          </a:lnRef>
+          <a:fillRef idx="3">
+            <a:schemeClr val="accent3"/>
+          </a:fillRef>
+          <a:effectRef idx="3">
+            <a:schemeClr val="accent3"/>
+          </a:effectRef>
+          <a:fontRef idx="minor">
+            <a:schemeClr val="lt1"/>
+          </a:fontRef>
+        </p:style>
+        <p:txBody>
+          <a:bodyPr rtlCol="0" anchor="ctr"/>
+          <a:lstStyle/>
+          <a:p>
+            <a:pPr algn="ctr"/>
+            <a:r>
+              <a:rPr lang="en-US" dirty="0"/>
+              <a:t>Connection limit reached</a:t>
+            </a:r>
+          </a:p>
+        </p:txBody>
+      </p:sp>
+      <p:sp>
+        <p:nvSpPr>
+          <p:cNvPr id="11" name="Rounded Rectangle 10">
+            <a:extLst>
+              <a:ext uri="{FF2B5EF4-FFF2-40B4-BE49-F238E27FC236}">
+                <a16:creationId xmlns:a16="http://schemas.microsoft.com/office/drawing/2014/main" id="{A83D7AAF-B8C6-9040-AD5E-A293B887BC63}"/>
+              </a:ext>
+            </a:extLst>
+          </p:cNvPr>
+          <p:cNvSpPr/>
+          <p:nvPr/>
+        </p:nvSpPr>
+        <p:spPr>
+          <a:xfrm>
+            <a:off x="3839103" y="2935591"/>
+            <a:ext cx="1553224" cy="981206"/>
+          </a:xfrm>
+          <a:prstGeom prst="roundRect">
+            <a:avLst/>
+          </a:prstGeom>
+        </p:spPr>
+        <p:style>
+          <a:lnRef idx="0">
+            <a:schemeClr val="accent2"/>
+          </a:lnRef>
+          <a:fillRef idx="3">
+            <a:schemeClr val="accent2"/>
+          </a:fillRef>
+          <a:effectRef idx="3">
+            <a:schemeClr val="accent2"/>
+          </a:effectRef>
+          <a:fontRef idx="minor">
+            <a:schemeClr val="lt1"/>
+          </a:fontRef>
+        </p:style>
+        <p:txBody>
+          <a:bodyPr rtlCol="0" anchor="ctr"/>
+          <a:lstStyle/>
+          <a:p>
+            <a:pPr algn="ctr"/>
+            <a:r>
+              <a:rPr lang="en-US" dirty="0"/>
+              <a:t>Unbounded requests</a:t>
+            </a:r>
+          </a:p>
+        </p:txBody>
+      </p:sp>
+      <p:sp>
+        <p:nvSpPr>
+          <p:cNvPr id="12" name="Rounded Rectangle 11">
+            <a:extLst>
+              <a:ext uri="{FF2B5EF4-FFF2-40B4-BE49-F238E27FC236}">
+                <a16:creationId xmlns:a16="http://schemas.microsoft.com/office/drawing/2014/main" id="{43115BBE-5C17-E148-9AF9-46671AD34033}"/>
+              </a:ext>
+            </a:extLst>
+          </p:cNvPr>
+          <p:cNvSpPr/>
+          <p:nvPr/>
+        </p:nvSpPr>
+        <p:spPr>
+          <a:xfrm>
+            <a:off x="10411216" y="2938397"/>
+            <a:ext cx="1553224" cy="981206"/>
+          </a:xfrm>
+          <a:prstGeom prst="roundRect">
+            <a:avLst/>
+          </a:prstGeom>
+        </p:spPr>
+        <p:style>
+          <a:lnRef idx="0">
+            <a:schemeClr val="accent2"/>
+          </a:lnRef>
+          <a:fillRef idx="3">
+            <a:schemeClr val="accent2"/>
+          </a:fillRef>
+          <a:effectRef idx="3">
+            <a:schemeClr val="accent2"/>
+          </a:effectRef>
+          <a:fontRef idx="minor">
+            <a:schemeClr val="lt1"/>
+          </a:fontRef>
+        </p:style>
+        <p:txBody>
+          <a:bodyPr rtlCol="0" anchor="ctr"/>
+          <a:lstStyle/>
+          <a:p>
+            <a:pPr algn="ctr"/>
+            <a:r>
+              <a:rPr lang="en-US" dirty="0"/>
+              <a:t>Keep alive</a:t>
+            </a:r>
+          </a:p>
+        </p:txBody>
+      </p:sp>
+      <p:cxnSp>
+        <p:nvCxnSpPr>
+          <p:cNvPr id="14" name="Straight Arrow Connector 13">
+            <a:extLst>
+              <a:ext uri="{FF2B5EF4-FFF2-40B4-BE49-F238E27FC236}">
+                <a16:creationId xmlns:a16="http://schemas.microsoft.com/office/drawing/2014/main" id="{B3BA77C4-F5A3-704A-9F81-D3B16A56FF82}"/>
+              </a:ext>
+            </a:extLst>
+          </p:cNvPr>
+          <p:cNvCxnSpPr>
+            <a:cxnSpLocks/>
+            <a:stCxn id="7" idx="0"/>
+            <a:endCxn id="10" idx="2"/>
+          </p:cNvCxnSpPr>
+          <p:nvPr/>
+        </p:nvCxnSpPr>
+        <p:spPr>
+          <a:xfrm flipV="1">
+            <a:off x="9204491" y="2197274"/>
+            <a:ext cx="1173327" cy="852061"/>
+          </a:xfrm>
+          <a:prstGeom prst="straightConnector1">
+            <a:avLst/>
+          </a:prstGeom>
+          <a:ln>
+            <a:tailEnd type="triangle"/>
+          </a:ln>
+        </p:spPr>
+        <p:style>
+          <a:lnRef idx="2">
+            <a:schemeClr val="dk1"/>
+          </a:lnRef>
+          <a:fillRef idx="0">
+            <a:schemeClr val="dk1"/>
+          </a:fillRef>
+          <a:effectRef idx="1">
+            <a:schemeClr val="dk1"/>
+          </a:effectRef>
+          <a:fontRef idx="minor">
+            <a:schemeClr val="tx1"/>
+          </a:fontRef>
+        </p:style>
+      </p:cxnSp>
+      <p:cxnSp>
+        <p:nvCxnSpPr>
+          <p:cNvPr id="15" name="Straight Arrow Connector 14">
+            <a:extLst>
+              <a:ext uri="{FF2B5EF4-FFF2-40B4-BE49-F238E27FC236}">
+                <a16:creationId xmlns:a16="http://schemas.microsoft.com/office/drawing/2014/main" id="{1DDC5C99-BC50-4C4C-9A60-AFFB6FC62BAC}"/>
+              </a:ext>
+            </a:extLst>
+          </p:cNvPr>
+          <p:cNvCxnSpPr>
+            <a:cxnSpLocks/>
+            <a:stCxn id="12" idx="0"/>
+            <a:endCxn id="10" idx="2"/>
+          </p:cNvCxnSpPr>
+          <p:nvPr/>
+        </p:nvCxnSpPr>
+        <p:spPr>
+          <a:xfrm flipH="1" flipV="1">
+            <a:off x="10377818" y="2197274"/>
+            <a:ext cx="810010" cy="741123"/>
+          </a:xfrm>
+          <a:prstGeom prst="straightConnector1">
+            <a:avLst/>
+          </a:prstGeom>
+          <a:ln>
+            <a:tailEnd type="triangle"/>
+          </a:ln>
+        </p:spPr>
+        <p:style>
+          <a:lnRef idx="2">
+            <a:schemeClr val="dk1"/>
+          </a:lnRef>
+          <a:fillRef idx="0">
+            <a:schemeClr val="dk1"/>
+          </a:fillRef>
+          <a:effectRef idx="1">
+            <a:schemeClr val="dk1"/>
+          </a:effectRef>
+          <a:fontRef idx="minor">
+            <a:schemeClr val="tx1"/>
+          </a:fontRef>
+        </p:style>
+      </p:cxnSp>
+      <p:cxnSp>
+        <p:nvCxnSpPr>
+          <p:cNvPr id="30" name="Straight Arrow Connector 29">
+            <a:extLst>
+              <a:ext uri="{FF2B5EF4-FFF2-40B4-BE49-F238E27FC236}">
+                <a16:creationId xmlns:a16="http://schemas.microsoft.com/office/drawing/2014/main" id="{F0C32030-14A8-E14E-A44B-7A8F946A3AFC}"/>
+              </a:ext>
+            </a:extLst>
+          </p:cNvPr>
+          <p:cNvCxnSpPr>
+            <a:cxnSpLocks/>
+            <a:stCxn id="11" idx="0"/>
+            <a:endCxn id="8" idx="2"/>
+          </p:cNvCxnSpPr>
+          <p:nvPr/>
+        </p:nvCxnSpPr>
+        <p:spPr>
+          <a:xfrm flipV="1">
+            <a:off x="4615715" y="2156565"/>
+            <a:ext cx="1944" cy="779026"/>
+          </a:xfrm>
+          <a:prstGeom prst="straightConnector1">
+            <a:avLst/>
+          </a:prstGeom>
+          <a:ln>
+            <a:tailEnd type="triangle"/>
+          </a:ln>
+        </p:spPr>
+        <p:style>
+          <a:lnRef idx="2">
+            <a:schemeClr val="dk1"/>
+          </a:lnRef>
+          <a:fillRef idx="0">
+            <a:schemeClr val="dk1"/>
+          </a:fillRef>
+          <a:effectRef idx="1">
+            <a:schemeClr val="dk1"/>
+          </a:effectRef>
+          <a:fontRef idx="minor">
+            <a:schemeClr val="tx1"/>
+          </a:fontRef>
+        </p:style>
+      </p:cxnSp>
+      <p:sp>
+        <p:nvSpPr>
+          <p:cNvPr id="33" name="Rounded Rectangle 32">
+            <a:extLst>
+              <a:ext uri="{FF2B5EF4-FFF2-40B4-BE49-F238E27FC236}">
+                <a16:creationId xmlns:a16="http://schemas.microsoft.com/office/drawing/2014/main" id="{9FFC374B-092E-FD49-AF76-463E407FCD0A}"/>
+              </a:ext>
+            </a:extLst>
+          </p:cNvPr>
+          <p:cNvSpPr/>
+          <p:nvPr/>
+        </p:nvSpPr>
+        <p:spPr>
+          <a:xfrm>
+            <a:off x="1446636" y="2935591"/>
+            <a:ext cx="1651343" cy="981206"/>
+          </a:xfrm>
+          <a:prstGeom prst="roundRect">
+            <a:avLst/>
+          </a:prstGeom>
+        </p:spPr>
+        <p:style>
+          <a:lnRef idx="0">
+            <a:schemeClr val="accent2"/>
+          </a:lnRef>
+          <a:fillRef idx="3">
+            <a:schemeClr val="accent2"/>
+          </a:fillRef>
+          <a:effectRef idx="3">
+            <a:schemeClr val="accent2"/>
+          </a:effectRef>
+          <a:fontRef idx="minor">
+            <a:schemeClr val="lt1"/>
+          </a:fontRef>
+        </p:style>
+        <p:txBody>
+          <a:bodyPr rtlCol="0" anchor="ctr"/>
+          <a:lstStyle/>
+          <a:p>
+            <a:pPr algn="ctr"/>
+            <a:r>
+              <a:rPr lang="en-US" dirty="0"/>
+              <a:t>Buffer size &lt; input data size</a:t>
+            </a:r>
+          </a:p>
+        </p:txBody>
+      </p:sp>
+      <p:cxnSp>
+        <p:nvCxnSpPr>
+          <p:cNvPr id="34" name="Straight Arrow Connector 33">
+            <a:extLst>
+              <a:ext uri="{FF2B5EF4-FFF2-40B4-BE49-F238E27FC236}">
+                <a16:creationId xmlns:a16="http://schemas.microsoft.com/office/drawing/2014/main" id="{ED68C38C-A491-8D42-979D-827C84F3AA85}"/>
+              </a:ext>
+            </a:extLst>
+          </p:cNvPr>
+          <p:cNvCxnSpPr>
+            <a:cxnSpLocks/>
+            <a:stCxn id="33" idx="0"/>
+            <a:endCxn id="5" idx="2"/>
+          </p:cNvCxnSpPr>
+          <p:nvPr/>
+        </p:nvCxnSpPr>
+        <p:spPr>
+          <a:xfrm flipV="1">
+            <a:off x="2272308" y="2156565"/>
+            <a:ext cx="2195" cy="779026"/>
+          </a:xfrm>
+          <a:prstGeom prst="straightConnector1">
+            <a:avLst/>
+          </a:prstGeom>
+          <a:ln>
+            <a:tailEnd type="triangle"/>
+          </a:ln>
+        </p:spPr>
+        <p:style>
+          <a:lnRef idx="2">
+            <a:schemeClr val="dk1"/>
+          </a:lnRef>
+          <a:fillRef idx="0">
+            <a:schemeClr val="dk1"/>
+          </a:fillRef>
+          <a:effectRef idx="1">
+            <a:schemeClr val="dk1"/>
+          </a:effectRef>
+          <a:fontRef idx="minor">
+            <a:schemeClr val="tx1"/>
+          </a:fontRef>
+        </p:style>
+      </p:cxnSp>
+      <p:cxnSp>
+        <p:nvCxnSpPr>
+          <p:cNvPr id="37" name="Straight Arrow Connector 36">
+            <a:extLst>
+              <a:ext uri="{FF2B5EF4-FFF2-40B4-BE49-F238E27FC236}">
+                <a16:creationId xmlns:a16="http://schemas.microsoft.com/office/drawing/2014/main" id="{B3323E58-3008-0549-8C84-9B853C000647}"/>
+              </a:ext>
+            </a:extLst>
+          </p:cNvPr>
+          <p:cNvCxnSpPr>
+            <a:cxnSpLocks/>
+            <a:stCxn id="10" idx="0"/>
+            <a:endCxn id="4" idx="2"/>
+          </p:cNvCxnSpPr>
+          <p:nvPr/>
+        </p:nvCxnSpPr>
+        <p:spPr>
+          <a:xfrm flipH="1" flipV="1">
+            <a:off x="6121049" y="820129"/>
+            <a:ext cx="4256769" cy="638828"/>
+          </a:xfrm>
+          <a:prstGeom prst="straightConnector1">
+            <a:avLst/>
+          </a:prstGeom>
+          <a:ln>
+            <a:tailEnd type="triangle"/>
+          </a:ln>
+        </p:spPr>
+        <p:style>
+          <a:lnRef idx="2">
+            <a:schemeClr val="dk1"/>
+          </a:lnRef>
+          <a:fillRef idx="0">
+            <a:schemeClr val="dk1"/>
+          </a:fillRef>
+          <a:effectRef idx="1">
+            <a:schemeClr val="dk1"/>
+          </a:effectRef>
+          <a:fontRef idx="minor">
+            <a:schemeClr val="tx1"/>
+          </a:fontRef>
+        </p:style>
+      </p:cxnSp>
+      <p:cxnSp>
+        <p:nvCxnSpPr>
+          <p:cNvPr id="40" name="Straight Arrow Connector 39">
+            <a:extLst>
+              <a:ext uri="{FF2B5EF4-FFF2-40B4-BE49-F238E27FC236}">
+                <a16:creationId xmlns:a16="http://schemas.microsoft.com/office/drawing/2014/main" id="{E861C6DD-8E8A-8146-81FA-8899838A63CF}"/>
+              </a:ext>
+            </a:extLst>
+          </p:cNvPr>
+          <p:cNvCxnSpPr>
+            <a:cxnSpLocks/>
+            <a:stCxn id="6" idx="0"/>
+            <a:endCxn id="4" idx="2"/>
+          </p:cNvCxnSpPr>
+          <p:nvPr/>
+        </p:nvCxnSpPr>
+        <p:spPr>
+          <a:xfrm flipH="1" flipV="1">
+            <a:off x="6121049" y="820129"/>
+            <a:ext cx="1124079" cy="638828"/>
+          </a:xfrm>
+          <a:prstGeom prst="straightConnector1">
+            <a:avLst/>
+          </a:prstGeom>
+          <a:ln>
+            <a:tailEnd type="triangle"/>
+          </a:ln>
+        </p:spPr>
+        <p:style>
+          <a:lnRef idx="2">
+            <a:schemeClr val="dk1"/>
+          </a:lnRef>
+          <a:fillRef idx="0">
+            <a:schemeClr val="dk1"/>
+          </a:fillRef>
+          <a:effectRef idx="1">
+            <a:schemeClr val="dk1"/>
+          </a:effectRef>
+          <a:fontRef idx="minor">
+            <a:schemeClr val="tx1"/>
+          </a:fontRef>
+        </p:style>
+      </p:cxnSp>
+      <p:cxnSp>
+        <p:nvCxnSpPr>
+          <p:cNvPr id="43" name="Straight Arrow Connector 42">
+            <a:extLst>
+              <a:ext uri="{FF2B5EF4-FFF2-40B4-BE49-F238E27FC236}">
+                <a16:creationId xmlns:a16="http://schemas.microsoft.com/office/drawing/2014/main" id="{8BB814C1-779C-0A49-B587-A5D70B9D7E15}"/>
+              </a:ext>
+            </a:extLst>
+          </p:cNvPr>
+          <p:cNvCxnSpPr>
+            <a:cxnSpLocks/>
+            <a:stCxn id="8" idx="0"/>
+            <a:endCxn id="4" idx="2"/>
+          </p:cNvCxnSpPr>
+          <p:nvPr/>
+        </p:nvCxnSpPr>
+        <p:spPr>
+          <a:xfrm flipV="1">
+            <a:off x="4617659" y="820129"/>
+            <a:ext cx="1503390" cy="598119"/>
+          </a:xfrm>
+          <a:prstGeom prst="straightConnector1">
+            <a:avLst/>
+          </a:prstGeom>
+          <a:ln>
+            <a:tailEnd type="triangle"/>
+          </a:ln>
+        </p:spPr>
+        <p:style>
+          <a:lnRef idx="2">
+            <a:schemeClr val="dk1"/>
+          </a:lnRef>
+          <a:fillRef idx="0">
+            <a:schemeClr val="dk1"/>
+          </a:fillRef>
+          <a:effectRef idx="1">
+            <a:schemeClr val="dk1"/>
+          </a:effectRef>
+          <a:fontRef idx="minor">
+            <a:schemeClr val="tx1"/>
+          </a:fontRef>
+        </p:style>
+      </p:cxnSp>
+      <p:cxnSp>
+        <p:nvCxnSpPr>
+          <p:cNvPr id="46" name="Straight Arrow Connector 45">
+            <a:extLst>
+              <a:ext uri="{FF2B5EF4-FFF2-40B4-BE49-F238E27FC236}">
+                <a16:creationId xmlns:a16="http://schemas.microsoft.com/office/drawing/2014/main" id="{60BC08D6-E266-164A-B6E1-3FFD079BAA2F}"/>
+              </a:ext>
+            </a:extLst>
+          </p:cNvPr>
+          <p:cNvCxnSpPr>
+            <a:cxnSpLocks/>
+            <a:stCxn id="5" idx="0"/>
+            <a:endCxn id="4" idx="2"/>
+          </p:cNvCxnSpPr>
+          <p:nvPr/>
+        </p:nvCxnSpPr>
+        <p:spPr>
+          <a:xfrm flipV="1">
+            <a:off x="2274503" y="820129"/>
+            <a:ext cx="3846546" cy="598119"/>
+          </a:xfrm>
+          <a:prstGeom prst="straightConnector1">
+            <a:avLst/>
+          </a:prstGeom>
+          <a:ln>
+            <a:tailEnd type="triangle"/>
+          </a:ln>
+        </p:spPr>
+        <p:style>
+          <a:lnRef idx="2">
+            <a:schemeClr val="dk1"/>
+          </a:lnRef>
+          <a:fillRef idx="0">
+            <a:schemeClr val="dk1"/>
+          </a:fillRef>
+          <a:effectRef idx="1">
+            <a:schemeClr val="dk1"/>
+          </a:effectRef>
+          <a:fontRef idx="minor">
+            <a:schemeClr val="tx1"/>
+          </a:fontRef>
+        </p:style>
+      </p:cxnSp>
+      <p:sp>
+        <p:nvSpPr>
+          <p:cNvPr id="50" name="Rounded Rectangle 49">
+            <a:extLst>
+              <a:ext uri="{FF2B5EF4-FFF2-40B4-BE49-F238E27FC236}">
+                <a16:creationId xmlns:a16="http://schemas.microsoft.com/office/drawing/2014/main" id="{A49BCD47-54A1-F444-AC6E-D91A002E62A0}"/>
+              </a:ext>
+            </a:extLst>
+          </p:cNvPr>
+          <p:cNvSpPr/>
+          <p:nvPr/>
+        </p:nvSpPr>
+        <p:spPr>
+          <a:xfrm>
+            <a:off x="10411216" y="4660726"/>
+            <a:ext cx="1553224" cy="617626"/>
+          </a:xfrm>
+          <a:prstGeom prst="roundRect">
+            <a:avLst/>
+          </a:prstGeom>
+        </p:spPr>
+        <p:style>
+          <a:lnRef idx="0">
+            <a:schemeClr val="dk1"/>
+          </a:lnRef>
+          <a:fillRef idx="3">
+            <a:schemeClr val="dk1"/>
+          </a:fillRef>
+          <a:effectRef idx="3">
+            <a:schemeClr val="dk1"/>
+          </a:effectRef>
+          <a:fontRef idx="minor">
+            <a:schemeClr val="lt1"/>
+          </a:fontRef>
+        </p:style>
+        <p:txBody>
+          <a:bodyPr rtlCol="0" anchor="ctr"/>
+          <a:lstStyle/>
+          <a:p>
+            <a:pPr algn="ctr"/>
+            <a:r>
+              <a:rPr lang="en-US" dirty="0"/>
+              <a:t>Send periodic CTS</a:t>
+            </a:r>
+          </a:p>
+        </p:txBody>
+      </p:sp>
+      <p:cxnSp>
+        <p:nvCxnSpPr>
+          <p:cNvPr id="53" name="Straight Arrow Connector 52">
+            <a:extLst>
+              <a:ext uri="{FF2B5EF4-FFF2-40B4-BE49-F238E27FC236}">
+                <a16:creationId xmlns:a16="http://schemas.microsoft.com/office/drawing/2014/main" id="{80D159E1-8E65-E647-B170-16FF5B34B0B2}"/>
+              </a:ext>
+            </a:extLst>
+          </p:cNvPr>
+          <p:cNvCxnSpPr>
+            <a:cxnSpLocks/>
+            <a:stCxn id="50" idx="0"/>
+            <a:endCxn id="12" idx="2"/>
+          </p:cNvCxnSpPr>
+          <p:nvPr/>
+        </p:nvCxnSpPr>
+        <p:spPr>
+          <a:xfrm flipV="1">
+            <a:off x="11187828" y="3919603"/>
+            <a:ext cx="0" cy="741123"/>
+          </a:xfrm>
+          <a:prstGeom prst="straightConnector1">
+            <a:avLst/>
+          </a:prstGeom>
+          <a:ln>
+            <a:tailEnd type="triangle"/>
+          </a:ln>
+        </p:spPr>
+        <p:style>
+          <a:lnRef idx="2">
+            <a:schemeClr val="dk1"/>
+          </a:lnRef>
+          <a:fillRef idx="0">
+            <a:schemeClr val="dk1"/>
+          </a:fillRef>
+          <a:effectRef idx="1">
+            <a:schemeClr val="dk1"/>
+          </a:effectRef>
+          <a:fontRef idx="minor">
+            <a:schemeClr val="tx1"/>
+          </a:fontRef>
+        </p:style>
+      </p:cxnSp>
+      <p:sp>
+        <p:nvSpPr>
+          <p:cNvPr id="59" name="Rounded Rectangle 58">
+            <a:extLst>
+              <a:ext uri="{FF2B5EF4-FFF2-40B4-BE49-F238E27FC236}">
+                <a16:creationId xmlns:a16="http://schemas.microsoft.com/office/drawing/2014/main" id="{F8A69046-6D68-7340-B0CE-B9B45C6DDB07}"/>
+              </a:ext>
+            </a:extLst>
+          </p:cNvPr>
+          <p:cNvSpPr/>
+          <p:nvPr/>
+        </p:nvSpPr>
+        <p:spPr>
+          <a:xfrm>
+            <a:off x="6985936" y="4639714"/>
+            <a:ext cx="1827615" cy="738317"/>
+          </a:xfrm>
+          <a:prstGeom prst="roundRect">
+            <a:avLst/>
+          </a:prstGeom>
+        </p:spPr>
+        <p:style>
+          <a:lnRef idx="0">
+            <a:schemeClr val="accent6"/>
+          </a:lnRef>
+          <a:fillRef idx="3">
+            <a:schemeClr val="accent6"/>
+          </a:fillRef>
+          <a:effectRef idx="3">
+            <a:schemeClr val="accent6"/>
+          </a:effectRef>
+          <a:fontRef idx="minor">
+            <a:schemeClr val="lt1"/>
+          </a:fontRef>
+        </p:style>
+        <p:txBody>
+          <a:bodyPr rtlCol="0" anchor="ctr"/>
+          <a:lstStyle/>
+          <a:p>
+            <a:pPr algn="ctr"/>
+            <a:r>
+              <a:rPr lang="en-US" dirty="0"/>
+              <a:t>Connection opens on CTS</a:t>
+            </a:r>
+          </a:p>
+        </p:txBody>
+      </p:sp>
+      <p:cxnSp>
+        <p:nvCxnSpPr>
+          <p:cNvPr id="60" name="Straight Arrow Connector 59">
+            <a:extLst>
+              <a:ext uri="{FF2B5EF4-FFF2-40B4-BE49-F238E27FC236}">
+                <a16:creationId xmlns:a16="http://schemas.microsoft.com/office/drawing/2014/main" id="{BAEDC2D9-71F3-C04B-9CA0-F8E4469CC17F}"/>
+              </a:ext>
+            </a:extLst>
+          </p:cNvPr>
+          <p:cNvCxnSpPr>
+            <a:cxnSpLocks/>
+            <a:stCxn id="59" idx="0"/>
+            <a:endCxn id="84" idx="2"/>
+          </p:cNvCxnSpPr>
+          <p:nvPr/>
+        </p:nvCxnSpPr>
+        <p:spPr>
+          <a:xfrm flipH="1" flipV="1">
+            <a:off x="7252387" y="3795353"/>
+            <a:ext cx="647357" cy="844361"/>
+          </a:xfrm>
+          <a:prstGeom prst="straightConnector1">
+            <a:avLst/>
+          </a:prstGeom>
+          <a:ln>
+            <a:tailEnd type="triangle"/>
+          </a:ln>
+        </p:spPr>
+        <p:style>
+          <a:lnRef idx="2">
+            <a:schemeClr val="dk1"/>
+          </a:lnRef>
+          <a:fillRef idx="0">
+            <a:schemeClr val="dk1"/>
+          </a:fillRef>
+          <a:effectRef idx="1">
+            <a:schemeClr val="dk1"/>
+          </a:effectRef>
+          <a:fontRef idx="minor">
+            <a:schemeClr val="tx1"/>
+          </a:fontRef>
+        </p:style>
+      </p:cxnSp>
+      <p:sp>
+        <p:nvSpPr>
+          <p:cNvPr id="66" name="Rounded Rectangle 65">
+            <a:extLst>
+              <a:ext uri="{FF2B5EF4-FFF2-40B4-BE49-F238E27FC236}">
+                <a16:creationId xmlns:a16="http://schemas.microsoft.com/office/drawing/2014/main" id="{7BBB8FE3-BC6B-7E48-93D5-923264D4D368}"/>
+              </a:ext>
+            </a:extLst>
+          </p:cNvPr>
+          <p:cNvSpPr/>
+          <p:nvPr/>
+        </p:nvSpPr>
+        <p:spPr>
+          <a:xfrm>
+            <a:off x="5068866" y="4695823"/>
+            <a:ext cx="1553224" cy="617626"/>
+          </a:xfrm>
+          <a:prstGeom prst="roundRect">
+            <a:avLst/>
+          </a:prstGeom>
+        </p:spPr>
+        <p:style>
+          <a:lnRef idx="0">
+            <a:schemeClr val="dk1"/>
+          </a:lnRef>
+          <a:fillRef idx="3">
+            <a:schemeClr val="dk1"/>
+          </a:fillRef>
+          <a:effectRef idx="3">
+            <a:schemeClr val="dk1"/>
+          </a:effectRef>
+          <a:fontRef idx="minor">
+            <a:schemeClr val="lt1"/>
+          </a:fontRef>
+        </p:style>
+        <p:txBody>
+          <a:bodyPr rtlCol="0" anchor="ctr"/>
+          <a:lstStyle/>
+          <a:p>
+            <a:pPr algn="ctr"/>
+            <a:r>
+              <a:rPr lang="en-US" dirty="0"/>
+              <a:t>Send fast requests</a:t>
+            </a:r>
+          </a:p>
+        </p:txBody>
+      </p:sp>
+      <p:cxnSp>
+        <p:nvCxnSpPr>
+          <p:cNvPr id="67" name="Straight Arrow Connector 66">
+            <a:extLst>
+              <a:ext uri="{FF2B5EF4-FFF2-40B4-BE49-F238E27FC236}">
+                <a16:creationId xmlns:a16="http://schemas.microsoft.com/office/drawing/2014/main" id="{240ADEC7-3AEE-6043-8CE5-51955070341E}"/>
+              </a:ext>
+            </a:extLst>
+          </p:cNvPr>
+          <p:cNvCxnSpPr>
+            <a:cxnSpLocks/>
+            <a:stCxn id="66" idx="0"/>
+            <a:endCxn id="84" idx="2"/>
+          </p:cNvCxnSpPr>
+          <p:nvPr/>
+        </p:nvCxnSpPr>
+        <p:spPr>
+          <a:xfrm flipV="1">
+            <a:off x="5845478" y="3795353"/>
+            <a:ext cx="1406909" cy="900470"/>
+          </a:xfrm>
+          <a:prstGeom prst="straightConnector1">
+            <a:avLst/>
+          </a:prstGeom>
+          <a:ln>
+            <a:tailEnd type="triangle"/>
+          </a:ln>
+        </p:spPr>
+        <p:style>
+          <a:lnRef idx="2">
+            <a:schemeClr val="dk1"/>
+          </a:lnRef>
+          <a:fillRef idx="0">
+            <a:schemeClr val="dk1"/>
+          </a:fillRef>
+          <a:effectRef idx="1">
+            <a:schemeClr val="dk1"/>
+          </a:effectRef>
+          <a:fontRef idx="minor">
+            <a:schemeClr val="tx1"/>
+          </a:fontRef>
+        </p:style>
+      </p:cxnSp>
+      <p:cxnSp>
+        <p:nvCxnSpPr>
+          <p:cNvPr id="73" name="Straight Arrow Connector 72">
+            <a:extLst>
+              <a:ext uri="{FF2B5EF4-FFF2-40B4-BE49-F238E27FC236}">
+                <a16:creationId xmlns:a16="http://schemas.microsoft.com/office/drawing/2014/main" id="{70253100-B6DA-6C4A-98B0-D4E05BE950C3}"/>
+              </a:ext>
+            </a:extLst>
+          </p:cNvPr>
+          <p:cNvCxnSpPr>
+            <a:cxnSpLocks/>
+            <a:stCxn id="66" idx="0"/>
+            <a:endCxn id="11" idx="2"/>
+          </p:cNvCxnSpPr>
+          <p:nvPr/>
+        </p:nvCxnSpPr>
+        <p:spPr>
+          <a:xfrm flipH="1" flipV="1">
+            <a:off x="4615715" y="3916797"/>
+            <a:ext cx="1229763" cy="779026"/>
+          </a:xfrm>
+          <a:prstGeom prst="straightConnector1">
+            <a:avLst/>
+          </a:prstGeom>
+          <a:ln>
+            <a:tailEnd type="triangle"/>
+          </a:ln>
+        </p:spPr>
+        <p:style>
+          <a:lnRef idx="2">
+            <a:schemeClr val="dk1"/>
+          </a:lnRef>
+          <a:fillRef idx="0">
+            <a:schemeClr val="dk1"/>
+          </a:fillRef>
+          <a:effectRef idx="1">
+            <a:schemeClr val="dk1"/>
+          </a:effectRef>
+          <a:fontRef idx="minor">
+            <a:schemeClr val="tx1"/>
+          </a:fontRef>
+        </p:style>
+      </p:cxnSp>
+      <p:sp>
+        <p:nvSpPr>
+          <p:cNvPr id="79" name="TextBox 78">
+            <a:extLst>
+              <a:ext uri="{FF2B5EF4-FFF2-40B4-BE49-F238E27FC236}">
+                <a16:creationId xmlns:a16="http://schemas.microsoft.com/office/drawing/2014/main" id="{B12AC591-39D4-DE46-A899-8F65C013E2E8}"/>
+              </a:ext>
+            </a:extLst>
+          </p:cNvPr>
+          <p:cNvSpPr txBox="1"/>
+          <p:nvPr/>
+        </p:nvSpPr>
+        <p:spPr>
+          <a:xfrm>
+            <a:off x="5875774" y="840310"/>
+            <a:ext cx="461986" cy="369332"/>
+          </a:xfrm>
+          <a:prstGeom prst="rect">
+            <a:avLst/>
+          </a:prstGeom>
+          <a:noFill/>
+        </p:spPr>
+        <p:txBody>
+          <a:bodyPr wrap="none" rtlCol="0">
+            <a:spAutoFit/>
+          </a:bodyPr>
+          <a:lstStyle/>
+          <a:p>
+            <a:r>
+              <a:rPr lang="en-US" dirty="0"/>
+              <a:t>OR</a:t>
+            </a:r>
+          </a:p>
+        </p:txBody>
+      </p:sp>
+      <p:sp>
+        <p:nvSpPr>
+          <p:cNvPr id="84" name="Rounded Rectangle 83">
+            <a:extLst>
+              <a:ext uri="{FF2B5EF4-FFF2-40B4-BE49-F238E27FC236}">
+                <a16:creationId xmlns:a16="http://schemas.microsoft.com/office/drawing/2014/main" id="{731393FE-4991-5147-BB03-850064951844}"/>
+              </a:ext>
+            </a:extLst>
+          </p:cNvPr>
+          <p:cNvSpPr/>
+          <p:nvPr/>
+        </p:nvSpPr>
+        <p:spPr>
+          <a:xfrm>
+            <a:off x="6475775" y="3057035"/>
+            <a:ext cx="1553224" cy="738318"/>
+          </a:xfrm>
+          <a:prstGeom prst="roundRect">
+            <a:avLst/>
+          </a:prstGeom>
+        </p:spPr>
+        <p:style>
+          <a:lnRef idx="0">
+            <a:schemeClr val="accent2"/>
+          </a:lnRef>
+          <a:fillRef idx="3">
+            <a:schemeClr val="accent2"/>
+          </a:fillRef>
+          <a:effectRef idx="3">
+            <a:schemeClr val="accent2"/>
+          </a:effectRef>
+          <a:fontRef idx="minor">
+            <a:schemeClr val="lt1"/>
+          </a:fontRef>
+        </p:style>
+        <p:txBody>
+          <a:bodyPr rtlCol="0" anchor="ctr"/>
+          <a:lstStyle/>
+          <a:p>
+            <a:pPr algn="ctr"/>
+            <a:r>
+              <a:rPr lang="en-US" dirty="0"/>
+              <a:t>Half-open connections</a:t>
+            </a:r>
+          </a:p>
+        </p:txBody>
+      </p:sp>
+      <p:cxnSp>
+        <p:nvCxnSpPr>
+          <p:cNvPr id="89" name="Straight Arrow Connector 88">
+            <a:extLst>
+              <a:ext uri="{FF2B5EF4-FFF2-40B4-BE49-F238E27FC236}">
+                <a16:creationId xmlns:a16="http://schemas.microsoft.com/office/drawing/2014/main" id="{88B90FB5-73D3-934C-A2F6-16A031AB8423}"/>
+              </a:ext>
+            </a:extLst>
+          </p:cNvPr>
+          <p:cNvCxnSpPr>
+            <a:cxnSpLocks/>
+            <a:stCxn id="84" idx="0"/>
+            <a:endCxn id="6" idx="2"/>
+          </p:cNvCxnSpPr>
+          <p:nvPr/>
+        </p:nvCxnSpPr>
+        <p:spPr>
+          <a:xfrm flipH="1" flipV="1">
+            <a:off x="7245128" y="2197274"/>
+            <a:ext cx="7259" cy="859761"/>
+          </a:xfrm>
+          <a:prstGeom prst="straightConnector1">
+            <a:avLst/>
+          </a:prstGeom>
+          <a:ln>
+            <a:tailEnd type="triangle"/>
+          </a:ln>
+        </p:spPr>
+        <p:style>
+          <a:lnRef idx="2">
+            <a:schemeClr val="dk1"/>
+          </a:lnRef>
+          <a:fillRef idx="0">
+            <a:schemeClr val="dk1"/>
+          </a:fillRef>
+          <a:effectRef idx="1">
+            <a:schemeClr val="dk1"/>
+          </a:effectRef>
+          <a:fontRef idx="minor">
+            <a:schemeClr val="tx1"/>
+          </a:fontRef>
+        </p:style>
+      </p:cxnSp>
+      <p:sp>
+        <p:nvSpPr>
+          <p:cNvPr id="101" name="Rounded Rectangle 100">
+            <a:extLst>
+              <a:ext uri="{FF2B5EF4-FFF2-40B4-BE49-F238E27FC236}">
+                <a16:creationId xmlns:a16="http://schemas.microsoft.com/office/drawing/2014/main" id="{46272C8B-B0D1-E64A-824C-1738EC135280}"/>
+              </a:ext>
+            </a:extLst>
+          </p:cNvPr>
+          <p:cNvSpPr/>
+          <p:nvPr/>
+        </p:nvSpPr>
+        <p:spPr>
+          <a:xfrm>
+            <a:off x="9131418" y="5465949"/>
+            <a:ext cx="1666017" cy="981205"/>
+          </a:xfrm>
+          <a:prstGeom prst="roundRect">
+            <a:avLst/>
+          </a:prstGeom>
+        </p:spPr>
+        <p:style>
+          <a:lnRef idx="0">
+            <a:schemeClr val="dk1"/>
+          </a:lnRef>
+          <a:fillRef idx="3">
+            <a:schemeClr val="dk1"/>
+          </a:fillRef>
+          <a:effectRef idx="3">
+            <a:schemeClr val="dk1"/>
+          </a:effectRef>
+          <a:fontRef idx="minor">
+            <a:schemeClr val="lt1"/>
+          </a:fontRef>
+        </p:style>
+        <p:txBody>
+          <a:bodyPr rtlCol="0" anchor="ctr"/>
+          <a:lstStyle/>
+          <a:p>
+            <a:pPr algn="ctr"/>
+            <a:r>
+              <a:rPr lang="en-US" dirty="0"/>
+              <a:t>Send request and RTS with spoofed SRC</a:t>
+            </a:r>
+          </a:p>
+        </p:txBody>
+      </p:sp>
+      <p:cxnSp>
+        <p:nvCxnSpPr>
+          <p:cNvPr id="102" name="Straight Arrow Connector 101">
+            <a:extLst>
+              <a:ext uri="{FF2B5EF4-FFF2-40B4-BE49-F238E27FC236}">
+                <a16:creationId xmlns:a16="http://schemas.microsoft.com/office/drawing/2014/main" id="{02F0EA6C-5774-D84D-AFD7-C4131B4B9E04}"/>
+              </a:ext>
+            </a:extLst>
+          </p:cNvPr>
+          <p:cNvCxnSpPr>
+            <a:cxnSpLocks/>
+            <a:stCxn id="101" idx="0"/>
+            <a:endCxn id="7" idx="2"/>
+          </p:cNvCxnSpPr>
+          <p:nvPr/>
+        </p:nvCxnSpPr>
+        <p:spPr>
+          <a:xfrm flipH="1" flipV="1">
+            <a:off x="9204491" y="3787653"/>
+            <a:ext cx="759936" cy="1678296"/>
+          </a:xfrm>
+          <a:prstGeom prst="straightConnector1">
+            <a:avLst/>
+          </a:prstGeom>
+          <a:ln>
+            <a:tailEnd type="triangle"/>
+          </a:ln>
+        </p:spPr>
+        <p:style>
+          <a:lnRef idx="2">
+            <a:schemeClr val="dk1"/>
+          </a:lnRef>
+          <a:fillRef idx="0">
+            <a:schemeClr val="dk1"/>
+          </a:fillRef>
+          <a:effectRef idx="1">
+            <a:schemeClr val="dk1"/>
+          </a:effectRef>
+          <a:fontRef idx="minor">
+            <a:schemeClr val="tx1"/>
+          </a:fontRef>
+        </p:style>
+      </p:cxnSp>
+      <p:sp>
+        <p:nvSpPr>
+          <p:cNvPr id="108" name="TextBox 107">
+            <a:extLst>
+              <a:ext uri="{FF2B5EF4-FFF2-40B4-BE49-F238E27FC236}">
+                <a16:creationId xmlns:a16="http://schemas.microsoft.com/office/drawing/2014/main" id="{F6E8E5F2-5517-1846-BB89-DD6B625A1767}"/>
+              </a:ext>
+            </a:extLst>
+          </p:cNvPr>
+          <p:cNvSpPr txBox="1"/>
+          <p:nvPr/>
+        </p:nvSpPr>
+        <p:spPr>
+          <a:xfrm>
+            <a:off x="4774219" y="6415346"/>
+            <a:ext cx="3403111" cy="369332"/>
+          </a:xfrm>
+          <a:prstGeom prst="rect">
+            <a:avLst/>
+          </a:prstGeom>
+          <a:noFill/>
+        </p:spPr>
+        <p:txBody>
+          <a:bodyPr wrap="none" rtlCol="0">
+            <a:spAutoFit/>
+          </a:bodyPr>
+          <a:lstStyle/>
+          <a:p>
+            <a:r>
+              <a:rPr lang="en-US" dirty="0"/>
+              <a:t>Assuming timers are implemented</a:t>
+            </a:r>
+          </a:p>
+        </p:txBody>
+      </p:sp>
+    </p:spTree>
+    <p:extLst>
+      <p:ext uri="{BB962C8B-B14F-4D97-AF65-F5344CB8AC3E}">
+        <p14:creationId xmlns:p14="http://schemas.microsoft.com/office/powerpoint/2010/main" val="1516247723"/>
+      </p:ext>
+    </p:extLst>
+  </p:cSld>
+  <p:clrMapOvr>
+    <a:masterClrMapping/>
+  </p:clrMapOvr>
+</p:sld>
+</file>
+
+<file path=ppt/slides/slide7.xml><?xml version="1.0" encoding="utf-8"?>
 <p:sld xmlns:a="http://schemas.openxmlformats.org/drawingml/2006/main" xmlns:r="http://schemas.openxmlformats.org/officeDocument/2006/relationships" xmlns:p="http://schemas.openxmlformats.org/presentationml/2006/main">
   <p:cSld>
     <p:bg>
@@ -5583,7 +8384,7 @@
 </p:sld>
 </file>
 
-<file path=ppt/slides/slide5.xml><?xml version="1.0" encoding="utf-8"?>
+<file path=ppt/slides/slide8.xml><?xml version="1.0" encoding="utf-8"?>
 <p:sld xmlns:a="http://schemas.openxmlformats.org/drawingml/2006/main" xmlns:r="http://schemas.openxmlformats.org/officeDocument/2006/relationships" xmlns:p="http://schemas.openxmlformats.org/presentationml/2006/main">
   <p:cSld>
     <p:spTree>
